--- a/manuscript/figures/sugar-examples/sugar-examples.pptx
+++ b/manuscript/figures/sugar-examples/sugar-examples.pptx
@@ -114,6 +114,11 @@
             <a:srgbClr val="A4A3A4"/>
           </p15:clr>
         </p15:guide>
+        <p15:guide id="3" orient="horz" pos="2160">
+          <p15:clr>
+            <a:srgbClr val="A4A3A4"/>
+          </p15:clr>
+        </p15:guide>
       </p15:sldGuideLst>
     </p:ext>
   </p:extLst>
@@ -269,7 +274,7 @@
           <a:p>
             <a:fld id="{1FF20C9B-EF41-614C-ADC0-38338A84751B}" type="datetimeFigureOut">
               <a:rPr lang="en-DK" smtClean="0"/>
-              <a:t>11/08/2023</a:t>
+              <a:t>22/08/2023</a:t>
             </a:fld>
             <a:endParaRPr lang="en-DK"/>
           </a:p>
@@ -469,7 +474,7 @@
           <a:p>
             <a:fld id="{1FF20C9B-EF41-614C-ADC0-38338A84751B}" type="datetimeFigureOut">
               <a:rPr lang="en-DK" smtClean="0"/>
-              <a:t>11/08/2023</a:t>
+              <a:t>22/08/2023</a:t>
             </a:fld>
             <a:endParaRPr lang="en-DK"/>
           </a:p>
@@ -679,7 +684,7 @@
           <a:p>
             <a:fld id="{1FF20C9B-EF41-614C-ADC0-38338A84751B}" type="datetimeFigureOut">
               <a:rPr lang="en-DK" smtClean="0"/>
-              <a:t>11/08/2023</a:t>
+              <a:t>22/08/2023</a:t>
             </a:fld>
             <a:endParaRPr lang="en-DK"/>
           </a:p>
@@ -879,7 +884,7 @@
           <a:p>
             <a:fld id="{1FF20C9B-EF41-614C-ADC0-38338A84751B}" type="datetimeFigureOut">
               <a:rPr lang="en-DK" smtClean="0"/>
-              <a:t>11/08/2023</a:t>
+              <a:t>22/08/2023</a:t>
             </a:fld>
             <a:endParaRPr lang="en-DK"/>
           </a:p>
@@ -1155,7 +1160,7 @@
           <a:p>
             <a:fld id="{1FF20C9B-EF41-614C-ADC0-38338A84751B}" type="datetimeFigureOut">
               <a:rPr lang="en-DK" smtClean="0"/>
-              <a:t>11/08/2023</a:t>
+              <a:t>22/08/2023</a:t>
             </a:fld>
             <a:endParaRPr lang="en-DK"/>
           </a:p>
@@ -1423,7 +1428,7 @@
           <a:p>
             <a:fld id="{1FF20C9B-EF41-614C-ADC0-38338A84751B}" type="datetimeFigureOut">
               <a:rPr lang="en-DK" smtClean="0"/>
-              <a:t>11/08/2023</a:t>
+              <a:t>22/08/2023</a:t>
             </a:fld>
             <a:endParaRPr lang="en-DK"/>
           </a:p>
@@ -1838,7 +1843,7 @@
           <a:p>
             <a:fld id="{1FF20C9B-EF41-614C-ADC0-38338A84751B}" type="datetimeFigureOut">
               <a:rPr lang="en-DK" smtClean="0"/>
-              <a:t>11/08/2023</a:t>
+              <a:t>22/08/2023</a:t>
             </a:fld>
             <a:endParaRPr lang="en-DK"/>
           </a:p>
@@ -1980,7 +1985,7 @@
           <a:p>
             <a:fld id="{1FF20C9B-EF41-614C-ADC0-38338A84751B}" type="datetimeFigureOut">
               <a:rPr lang="en-DK" smtClean="0"/>
-              <a:t>11/08/2023</a:t>
+              <a:t>22/08/2023</a:t>
             </a:fld>
             <a:endParaRPr lang="en-DK"/>
           </a:p>
@@ -2093,7 +2098,7 @@
           <a:p>
             <a:fld id="{1FF20C9B-EF41-614C-ADC0-38338A84751B}" type="datetimeFigureOut">
               <a:rPr lang="en-DK" smtClean="0"/>
-              <a:t>11/08/2023</a:t>
+              <a:t>22/08/2023</a:t>
             </a:fld>
             <a:endParaRPr lang="en-DK"/>
           </a:p>
@@ -2406,7 +2411,7 @@
           <a:p>
             <a:fld id="{1FF20C9B-EF41-614C-ADC0-38338A84751B}" type="datetimeFigureOut">
               <a:rPr lang="en-DK" smtClean="0"/>
-              <a:t>11/08/2023</a:t>
+              <a:t>22/08/2023</a:t>
             </a:fld>
             <a:endParaRPr lang="en-DK"/>
           </a:p>
@@ -2695,7 +2700,7 @@
           <a:p>
             <a:fld id="{1FF20C9B-EF41-614C-ADC0-38338A84751B}" type="datetimeFigureOut">
               <a:rPr lang="en-DK" smtClean="0"/>
-              <a:t>11/08/2023</a:t>
+              <a:t>22/08/2023</a:t>
             </a:fld>
             <a:endParaRPr lang="en-DK"/>
           </a:p>
@@ -2938,7 +2943,7 @@
           <a:p>
             <a:fld id="{1FF20C9B-EF41-614C-ADC0-38338A84751B}" type="datetimeFigureOut">
               <a:rPr lang="en-DK" smtClean="0"/>
-              <a:t>11/08/2023</a:t>
+              <a:t>22/08/2023</a:t>
             </a:fld>
             <a:endParaRPr lang="en-DK"/>
           </a:p>
@@ -4236,10 +4241,10 @@
       </p:pic>
       <p:pic>
         <p:nvPicPr>
-          <p:cNvPr id="7" name="Picture 6">
-            <a:extLst>
-              <a:ext uri="{FF2B5EF4-FFF2-40B4-BE49-F238E27FC236}">
-                <a16:creationId xmlns:a16="http://schemas.microsoft.com/office/drawing/2014/main" id="{4B931E5C-C37E-495C-AE69-EAF23A2F57E4}"/>
+          <p:cNvPr id="9" name="Picture 8">
+            <a:extLst>
+              <a:ext uri="{FF2B5EF4-FFF2-40B4-BE49-F238E27FC236}">
+                <a16:creationId xmlns:a16="http://schemas.microsoft.com/office/drawing/2014/main" id="{6EB8C858-401B-1E33-89F8-DC4D989231E3}"/>
               </a:ext>
             </a:extLst>
           </p:cNvPr>
@@ -4256,8 +4261,8 @@
         </p:blipFill>
         <p:spPr>
           <a:xfrm>
-            <a:off x="5139245" y="4535286"/>
-            <a:ext cx="2524479" cy="753065"/>
+            <a:off x="5216263" y="6138803"/>
+            <a:ext cx="2370443" cy="1643050"/>
           </a:xfrm>
           <a:prstGeom prst="rect">
             <a:avLst/>
@@ -4266,10 +4271,10 @@
       </p:pic>
       <p:pic>
         <p:nvPicPr>
-          <p:cNvPr id="9" name="Picture 8">
-            <a:extLst>
-              <a:ext uri="{FF2B5EF4-FFF2-40B4-BE49-F238E27FC236}">
-                <a16:creationId xmlns:a16="http://schemas.microsoft.com/office/drawing/2014/main" id="{6EB8C858-401B-1E33-89F8-DC4D989231E3}"/>
+          <p:cNvPr id="11" name="Picture 10">
+            <a:extLst>
+              <a:ext uri="{FF2B5EF4-FFF2-40B4-BE49-F238E27FC236}">
+                <a16:creationId xmlns:a16="http://schemas.microsoft.com/office/drawing/2014/main" id="{8986D45F-D83C-B575-D20D-7E14193854E6}"/>
               </a:ext>
             </a:extLst>
           </p:cNvPr>
@@ -4286,8 +4291,8 @@
         </p:blipFill>
         <p:spPr>
           <a:xfrm>
-            <a:off x="5216263" y="6138803"/>
-            <a:ext cx="2370443" cy="1643050"/>
+            <a:off x="4388432" y="1094981"/>
+            <a:ext cx="3782438" cy="1583147"/>
           </a:xfrm>
           <a:prstGeom prst="rect">
             <a:avLst/>
@@ -4296,10 +4301,10 @@
       </p:pic>
       <p:pic>
         <p:nvPicPr>
-          <p:cNvPr id="11" name="Picture 10">
-            <a:extLst>
-              <a:ext uri="{FF2B5EF4-FFF2-40B4-BE49-F238E27FC236}">
-                <a16:creationId xmlns:a16="http://schemas.microsoft.com/office/drawing/2014/main" id="{8986D45F-D83C-B575-D20D-7E14193854E6}"/>
+          <p:cNvPr id="13" name="Picture 12">
+            <a:extLst>
+              <a:ext uri="{FF2B5EF4-FFF2-40B4-BE49-F238E27FC236}">
+                <a16:creationId xmlns:a16="http://schemas.microsoft.com/office/drawing/2014/main" id="{F259C1EB-2368-CD30-BDA8-E43B8D7F65BE}"/>
               </a:ext>
             </a:extLst>
           </p:cNvPr>
@@ -4310,36 +4315,6 @@
         </p:nvPicPr>
         <p:blipFill>
           <a:blip r:embed="rId5"/>
-          <a:stretch>
-            <a:fillRect/>
-          </a:stretch>
-        </p:blipFill>
-        <p:spPr>
-          <a:xfrm>
-            <a:off x="4388432" y="1094981"/>
-            <a:ext cx="3782438" cy="1583147"/>
-          </a:xfrm>
-          <a:prstGeom prst="rect">
-            <a:avLst/>
-          </a:prstGeom>
-        </p:spPr>
-      </p:pic>
-      <p:pic>
-        <p:nvPicPr>
-          <p:cNvPr id="13" name="Picture 12">
-            <a:extLst>
-              <a:ext uri="{FF2B5EF4-FFF2-40B4-BE49-F238E27FC236}">
-                <a16:creationId xmlns:a16="http://schemas.microsoft.com/office/drawing/2014/main" id="{F259C1EB-2368-CD30-BDA8-E43B8D7F65BE}"/>
-              </a:ext>
-            </a:extLst>
-          </p:cNvPr>
-          <p:cNvPicPr>
-            <a:picLocks noChangeAspect="1"/>
-          </p:cNvPicPr>
-          <p:nvPr/>
-        </p:nvPicPr>
-        <p:blipFill>
-          <a:blip r:embed="rId6"/>
           <a:stretch>
             <a:fillRect/>
           </a:stretch>
@@ -5746,6 +5721,36 @@
           </a:p>
         </p:txBody>
       </p:sp>
+      <p:pic>
+        <p:nvPicPr>
+          <p:cNvPr id="18" name="Picture 17">
+            <a:extLst>
+              <a:ext uri="{FF2B5EF4-FFF2-40B4-BE49-F238E27FC236}">
+                <a16:creationId xmlns:a16="http://schemas.microsoft.com/office/drawing/2014/main" id="{47BCCE0E-2432-8454-8A12-264C28753D3E}"/>
+              </a:ext>
+            </a:extLst>
+          </p:cNvPr>
+          <p:cNvPicPr>
+            <a:picLocks noChangeAspect="1"/>
+          </p:cNvPicPr>
+          <p:nvPr/>
+        </p:nvPicPr>
+        <p:blipFill>
+          <a:blip r:embed="rId6"/>
+          <a:stretch>
+            <a:fillRect/>
+          </a:stretch>
+        </p:blipFill>
+        <p:spPr>
+          <a:xfrm>
+            <a:off x="4999782" y="4557272"/>
+            <a:ext cx="2541026" cy="933438"/>
+          </a:xfrm>
+          <a:prstGeom prst="rect">
+            <a:avLst/>
+          </a:prstGeom>
+        </p:spPr>
+      </p:pic>
     </p:spTree>
     <p:extLst>
       <p:ext uri="{BB962C8B-B14F-4D97-AF65-F5344CB8AC3E}">

--- a/manuscript/figures/sugar-examples/sugar-examples.pptx
+++ b/manuscript/figures/sugar-examples/sugar-examples.pptx
@@ -8,6 +8,8 @@
     <p:sldId id="256" r:id="rId2"/>
     <p:sldId id="257" r:id="rId3"/>
     <p:sldId id="258" r:id="rId4"/>
+    <p:sldId id="259" r:id="rId5"/>
+    <p:sldId id="260" r:id="rId6"/>
   </p:sldIdLst>
   <p:sldSz cx="12192000" cy="6858000"/>
   <p:notesSz cx="6858000" cy="9144000"/>
@@ -114,7 +116,7 @@
             <a:srgbClr val="A4A3A4"/>
           </p15:clr>
         </p15:guide>
-        <p15:guide id="3" orient="horz" pos="2160">
+        <p15:guide id="3" orient="horz" pos="1366" userDrawn="1">
           <p15:clr>
             <a:srgbClr val="A4A3A4"/>
           </p15:clr>
@@ -274,7 +276,7 @@
           <a:p>
             <a:fld id="{1FF20C9B-EF41-614C-ADC0-38338A84751B}" type="datetimeFigureOut">
               <a:rPr lang="en-DK" smtClean="0"/>
-              <a:t>22/08/2023</a:t>
+              <a:t>05/09/2023</a:t>
             </a:fld>
             <a:endParaRPr lang="en-DK"/>
           </a:p>
@@ -474,7 +476,7 @@
           <a:p>
             <a:fld id="{1FF20C9B-EF41-614C-ADC0-38338A84751B}" type="datetimeFigureOut">
               <a:rPr lang="en-DK" smtClean="0"/>
-              <a:t>22/08/2023</a:t>
+              <a:t>05/09/2023</a:t>
             </a:fld>
             <a:endParaRPr lang="en-DK"/>
           </a:p>
@@ -684,7 +686,7 @@
           <a:p>
             <a:fld id="{1FF20C9B-EF41-614C-ADC0-38338A84751B}" type="datetimeFigureOut">
               <a:rPr lang="en-DK" smtClean="0"/>
-              <a:t>22/08/2023</a:t>
+              <a:t>05/09/2023</a:t>
             </a:fld>
             <a:endParaRPr lang="en-DK"/>
           </a:p>
@@ -884,7 +886,7 @@
           <a:p>
             <a:fld id="{1FF20C9B-EF41-614C-ADC0-38338A84751B}" type="datetimeFigureOut">
               <a:rPr lang="en-DK" smtClean="0"/>
-              <a:t>22/08/2023</a:t>
+              <a:t>05/09/2023</a:t>
             </a:fld>
             <a:endParaRPr lang="en-DK"/>
           </a:p>
@@ -1160,7 +1162,7 @@
           <a:p>
             <a:fld id="{1FF20C9B-EF41-614C-ADC0-38338A84751B}" type="datetimeFigureOut">
               <a:rPr lang="en-DK" smtClean="0"/>
-              <a:t>22/08/2023</a:t>
+              <a:t>05/09/2023</a:t>
             </a:fld>
             <a:endParaRPr lang="en-DK"/>
           </a:p>
@@ -1428,7 +1430,7 @@
           <a:p>
             <a:fld id="{1FF20C9B-EF41-614C-ADC0-38338A84751B}" type="datetimeFigureOut">
               <a:rPr lang="en-DK" smtClean="0"/>
-              <a:t>22/08/2023</a:t>
+              <a:t>05/09/2023</a:t>
             </a:fld>
             <a:endParaRPr lang="en-DK"/>
           </a:p>
@@ -1843,7 +1845,7 @@
           <a:p>
             <a:fld id="{1FF20C9B-EF41-614C-ADC0-38338A84751B}" type="datetimeFigureOut">
               <a:rPr lang="en-DK" smtClean="0"/>
-              <a:t>22/08/2023</a:t>
+              <a:t>05/09/2023</a:t>
             </a:fld>
             <a:endParaRPr lang="en-DK"/>
           </a:p>
@@ -1985,7 +1987,7 @@
           <a:p>
             <a:fld id="{1FF20C9B-EF41-614C-ADC0-38338A84751B}" type="datetimeFigureOut">
               <a:rPr lang="en-DK" smtClean="0"/>
-              <a:t>22/08/2023</a:t>
+              <a:t>05/09/2023</a:t>
             </a:fld>
             <a:endParaRPr lang="en-DK"/>
           </a:p>
@@ -2098,7 +2100,7 @@
           <a:p>
             <a:fld id="{1FF20C9B-EF41-614C-ADC0-38338A84751B}" type="datetimeFigureOut">
               <a:rPr lang="en-DK" smtClean="0"/>
-              <a:t>22/08/2023</a:t>
+              <a:t>05/09/2023</a:t>
             </a:fld>
             <a:endParaRPr lang="en-DK"/>
           </a:p>
@@ -2411,7 +2413,7 @@
           <a:p>
             <a:fld id="{1FF20C9B-EF41-614C-ADC0-38338A84751B}" type="datetimeFigureOut">
               <a:rPr lang="en-DK" smtClean="0"/>
-              <a:t>22/08/2023</a:t>
+              <a:t>05/09/2023</a:t>
             </a:fld>
             <a:endParaRPr lang="en-DK"/>
           </a:p>
@@ -2700,7 +2702,7 @@
           <a:p>
             <a:fld id="{1FF20C9B-EF41-614C-ADC0-38338A84751B}" type="datetimeFigureOut">
               <a:rPr lang="en-DK" smtClean="0"/>
-              <a:t>22/08/2023</a:t>
+              <a:t>05/09/2023</a:t>
             </a:fld>
             <a:endParaRPr lang="en-DK"/>
           </a:p>
@@ -2943,7 +2945,7 @@
           <a:p>
             <a:fld id="{1FF20C9B-EF41-614C-ADC0-38338A84751B}" type="datetimeFigureOut">
               <a:rPr lang="en-DK" smtClean="0"/>
-              <a:t>22/08/2023</a:t>
+              <a:t>05/09/2023</a:t>
             </a:fld>
             <a:endParaRPr lang="en-DK"/>
           </a:p>
@@ -5764,6 +5766,2663 @@
 </p:sld>
 </file>
 
+<file path=ppt/slides/slide4.xml><?xml version="1.0" encoding="utf-8"?>
+<p:sld xmlns:a="http://schemas.openxmlformats.org/drawingml/2006/main" xmlns:r="http://schemas.openxmlformats.org/officeDocument/2006/relationships" xmlns:p="http://schemas.openxmlformats.org/presentationml/2006/main">
+  <p:cSld>
+    <p:spTree>
+      <p:nvGrpSpPr>
+        <p:cNvPr id="1" name=""/>
+        <p:cNvGrpSpPr/>
+        <p:nvPr/>
+      </p:nvGrpSpPr>
+      <p:grpSpPr>
+        <a:xfrm>
+          <a:off x="0" y="0"/>
+          <a:ext cx="0" cy="0"/>
+          <a:chOff x="0" y="0"/>
+          <a:chExt cx="0" cy="0"/>
+        </a:xfrm>
+      </p:grpSpPr>
+      <p:pic>
+        <p:nvPicPr>
+          <p:cNvPr id="5" name="Picture 4">
+            <a:extLst>
+              <a:ext uri="{FF2B5EF4-FFF2-40B4-BE49-F238E27FC236}">
+                <a16:creationId xmlns:a16="http://schemas.microsoft.com/office/drawing/2014/main" id="{3E171661-8F19-DA93-A974-34B5ACA5B46C}"/>
+              </a:ext>
+            </a:extLst>
+          </p:cNvPr>
+          <p:cNvPicPr>
+            <a:picLocks noChangeAspect="1"/>
+          </p:cNvPicPr>
+          <p:nvPr/>
+        </p:nvPicPr>
+        <p:blipFill>
+          <a:blip r:embed="rId2"/>
+          <a:stretch>
+            <a:fillRect/>
+          </a:stretch>
+        </p:blipFill>
+        <p:spPr>
+          <a:xfrm>
+            <a:off x="6489892" y="6717156"/>
+            <a:ext cx="2370443" cy="1061137"/>
+          </a:xfrm>
+          <a:prstGeom prst="rect">
+            <a:avLst/>
+          </a:prstGeom>
+        </p:spPr>
+      </p:pic>
+      <p:pic>
+        <p:nvPicPr>
+          <p:cNvPr id="9" name="Picture 8">
+            <a:extLst>
+              <a:ext uri="{FF2B5EF4-FFF2-40B4-BE49-F238E27FC236}">
+                <a16:creationId xmlns:a16="http://schemas.microsoft.com/office/drawing/2014/main" id="{6EB8C858-401B-1E33-89F8-DC4D989231E3}"/>
+              </a:ext>
+            </a:extLst>
+          </p:cNvPr>
+          <p:cNvPicPr>
+            <a:picLocks noChangeAspect="1"/>
+          </p:cNvPicPr>
+          <p:nvPr/>
+        </p:nvPicPr>
+        <p:blipFill>
+          <a:blip r:embed="rId3"/>
+          <a:stretch>
+            <a:fillRect/>
+          </a:stretch>
+        </p:blipFill>
+        <p:spPr>
+          <a:xfrm>
+            <a:off x="6489892" y="4181752"/>
+            <a:ext cx="2370443" cy="1643050"/>
+          </a:xfrm>
+          <a:prstGeom prst="rect">
+            <a:avLst/>
+          </a:prstGeom>
+        </p:spPr>
+      </p:pic>
+      <p:pic>
+        <p:nvPicPr>
+          <p:cNvPr id="11" name="Picture 10">
+            <a:extLst>
+              <a:ext uri="{FF2B5EF4-FFF2-40B4-BE49-F238E27FC236}">
+                <a16:creationId xmlns:a16="http://schemas.microsoft.com/office/drawing/2014/main" id="{8986D45F-D83C-B575-D20D-7E14193854E6}"/>
+              </a:ext>
+            </a:extLst>
+          </p:cNvPr>
+          <p:cNvPicPr>
+            <a:picLocks noChangeAspect="1"/>
+          </p:cNvPicPr>
+          <p:nvPr/>
+        </p:nvPicPr>
+        <p:blipFill>
+          <a:blip r:embed="rId4"/>
+          <a:stretch>
+            <a:fillRect/>
+          </a:stretch>
+        </p:blipFill>
+        <p:spPr>
+          <a:xfrm>
+            <a:off x="5662061" y="-800973"/>
+            <a:ext cx="3782438" cy="1583147"/>
+          </a:xfrm>
+          <a:prstGeom prst="rect">
+            <a:avLst/>
+          </a:prstGeom>
+        </p:spPr>
+      </p:pic>
+      <p:pic>
+        <p:nvPicPr>
+          <p:cNvPr id="13" name="Picture 12">
+            <a:extLst>
+              <a:ext uri="{FF2B5EF4-FFF2-40B4-BE49-F238E27FC236}">
+                <a16:creationId xmlns:a16="http://schemas.microsoft.com/office/drawing/2014/main" id="{F259C1EB-2368-CD30-BDA8-E43B8D7F65BE}"/>
+              </a:ext>
+            </a:extLst>
+          </p:cNvPr>
+          <p:cNvPicPr>
+            <a:picLocks noChangeAspect="1"/>
+          </p:cNvPicPr>
+          <p:nvPr/>
+        </p:nvPicPr>
+        <p:blipFill>
+          <a:blip r:embed="rId5"/>
+          <a:stretch>
+            <a:fillRect/>
+          </a:stretch>
+        </p:blipFill>
+        <p:spPr>
+          <a:xfrm>
+            <a:off x="5769029" y="1543355"/>
+            <a:ext cx="3568501" cy="376532"/>
+          </a:xfrm>
+          <a:prstGeom prst="rect">
+            <a:avLst/>
+          </a:prstGeom>
+        </p:spPr>
+      </p:pic>
+      <p:sp>
+        <p:nvSpPr>
+          <p:cNvPr id="3" name="TextBox 2">
+            <a:extLst>
+              <a:ext uri="{FF2B5EF4-FFF2-40B4-BE49-F238E27FC236}">
+                <a16:creationId xmlns:a16="http://schemas.microsoft.com/office/drawing/2014/main" id="{9112539A-8025-D4DE-DEE9-6D3BE92BA290}"/>
+              </a:ext>
+            </a:extLst>
+          </p:cNvPr>
+          <p:cNvSpPr txBox="1"/>
+          <p:nvPr/>
+        </p:nvSpPr>
+        <p:spPr>
+          <a:xfrm>
+            <a:off x="1627634" y="-1139572"/>
+            <a:ext cx="881010" cy="307777"/>
+          </a:xfrm>
+          <a:prstGeom prst="rect">
+            <a:avLst/>
+          </a:prstGeom>
+          <a:noFill/>
+        </p:spPr>
+        <p:txBody>
+          <a:bodyPr wrap="none" rtlCol="0">
+            <a:spAutoFit/>
+          </a:bodyPr>
+          <a:lstStyle/>
+          <a:p>
+            <a:r>
+              <a:rPr lang="en-DK" sz="1400" u="sng" dirty="0"/>
+              <a:t>Organism</a:t>
+            </a:r>
+          </a:p>
+        </p:txBody>
+      </p:sp>
+      <p:sp>
+        <p:nvSpPr>
+          <p:cNvPr id="4" name="TextBox 3">
+            <a:extLst>
+              <a:ext uri="{FF2B5EF4-FFF2-40B4-BE49-F238E27FC236}">
+                <a16:creationId xmlns:a16="http://schemas.microsoft.com/office/drawing/2014/main" id="{9AA64F7C-4BBE-257F-B1AD-B40E9D80D775}"/>
+              </a:ext>
+            </a:extLst>
+          </p:cNvPr>
+          <p:cNvSpPr txBox="1"/>
+          <p:nvPr/>
+        </p:nvSpPr>
+        <p:spPr>
+          <a:xfrm>
+            <a:off x="7088277" y="-1143714"/>
+            <a:ext cx="674608" cy="307777"/>
+          </a:xfrm>
+          <a:prstGeom prst="rect">
+            <a:avLst/>
+          </a:prstGeom>
+          <a:noFill/>
+        </p:spPr>
+        <p:txBody>
+          <a:bodyPr wrap="none" rtlCol="0">
+            <a:spAutoFit/>
+          </a:bodyPr>
+          <a:lstStyle/>
+          <a:p>
+            <a:r>
+              <a:rPr lang="en-DK" sz="1400" u="sng" dirty="0"/>
+              <a:t>Glycan</a:t>
+            </a:r>
+          </a:p>
+        </p:txBody>
+      </p:sp>
+      <p:sp>
+        <p:nvSpPr>
+          <p:cNvPr id="6" name="TextBox 5">
+            <a:extLst>
+              <a:ext uri="{FF2B5EF4-FFF2-40B4-BE49-F238E27FC236}">
+                <a16:creationId xmlns:a16="http://schemas.microsoft.com/office/drawing/2014/main" id="{C6922EC0-624C-BED4-6F26-434D1FB6D649}"/>
+              </a:ext>
+            </a:extLst>
+          </p:cNvPr>
+          <p:cNvSpPr txBox="1"/>
+          <p:nvPr/>
+        </p:nvSpPr>
+        <p:spPr>
+          <a:xfrm>
+            <a:off x="3957295" y="-1149474"/>
+            <a:ext cx="650243" cy="307777"/>
+          </a:xfrm>
+          <a:prstGeom prst="rect">
+            <a:avLst/>
+          </a:prstGeom>
+          <a:noFill/>
+        </p:spPr>
+        <p:txBody>
+          <a:bodyPr wrap="none" rtlCol="0">
+            <a:spAutoFit/>
+          </a:bodyPr>
+          <a:lstStyle/>
+          <a:p>
+            <a:r>
+              <a:rPr lang="en-DK" sz="1400" u="sng" dirty="0"/>
+              <a:t>BP-Pol</a:t>
+            </a:r>
+          </a:p>
+        </p:txBody>
+      </p:sp>
+      <p:sp>
+        <p:nvSpPr>
+          <p:cNvPr id="8" name="TextBox 7">
+            <a:extLst>
+              <a:ext uri="{FF2B5EF4-FFF2-40B4-BE49-F238E27FC236}">
+                <a16:creationId xmlns:a16="http://schemas.microsoft.com/office/drawing/2014/main" id="{E923EAFA-B662-6EB2-2BA7-4AC98AC8DC7B}"/>
+              </a:ext>
+            </a:extLst>
+          </p:cNvPr>
+          <p:cNvSpPr txBox="1"/>
+          <p:nvPr/>
+        </p:nvSpPr>
+        <p:spPr>
+          <a:xfrm>
+            <a:off x="1467560" y="-185205"/>
+            <a:ext cx="1422184" cy="523220"/>
+          </a:xfrm>
+          <a:prstGeom prst="rect">
+            <a:avLst/>
+          </a:prstGeom>
+          <a:noFill/>
+        </p:spPr>
+        <p:txBody>
+          <a:bodyPr wrap="none" rtlCol="0">
+            <a:spAutoFit/>
+          </a:bodyPr>
+          <a:lstStyle/>
+          <a:p>
+            <a:r>
+              <a:rPr lang="en-DK" sz="1400" i="1" dirty="0"/>
+              <a:t>Streptococcus </a:t>
+            </a:r>
+          </a:p>
+          <a:p>
+            <a:r>
+              <a:rPr lang="en-DK" sz="1400" i="1" dirty="0"/>
+              <a:t>pneumoniae</a:t>
+            </a:r>
+            <a:r>
+              <a:rPr lang="en-DK" sz="1400" dirty="0"/>
+              <a:t> 47A</a:t>
+            </a:r>
+          </a:p>
+        </p:txBody>
+      </p:sp>
+      <p:sp>
+        <p:nvSpPr>
+          <p:cNvPr id="10" name="TextBox 9">
+            <a:extLst>
+              <a:ext uri="{FF2B5EF4-FFF2-40B4-BE49-F238E27FC236}">
+                <a16:creationId xmlns:a16="http://schemas.microsoft.com/office/drawing/2014/main" id="{E484644F-6580-B965-E056-34F608445014}"/>
+              </a:ext>
+            </a:extLst>
+          </p:cNvPr>
+          <p:cNvSpPr txBox="1"/>
+          <p:nvPr/>
+        </p:nvSpPr>
+        <p:spPr>
+          <a:xfrm>
+            <a:off x="1467560" y="1572971"/>
+            <a:ext cx="1042273" cy="523220"/>
+          </a:xfrm>
+          <a:prstGeom prst="rect">
+            <a:avLst/>
+          </a:prstGeom>
+          <a:noFill/>
+        </p:spPr>
+        <p:txBody>
+          <a:bodyPr wrap="none" rtlCol="0">
+            <a:spAutoFit/>
+          </a:bodyPr>
+          <a:lstStyle/>
+          <a:p>
+            <a:r>
+              <a:rPr lang="en-DK" sz="1400" i="1" dirty="0"/>
+              <a:t>Escherichia </a:t>
+            </a:r>
+          </a:p>
+          <a:p>
+            <a:r>
+              <a:rPr lang="en-DK" sz="1400" i="1" dirty="0"/>
+              <a:t>coli </a:t>
+            </a:r>
+            <a:r>
+              <a:rPr lang="en-DK" sz="1400" dirty="0"/>
+              <a:t>O178</a:t>
+            </a:r>
+          </a:p>
+        </p:txBody>
+      </p:sp>
+      <p:sp>
+        <p:nvSpPr>
+          <p:cNvPr id="12" name="TextBox 11">
+            <a:extLst>
+              <a:ext uri="{FF2B5EF4-FFF2-40B4-BE49-F238E27FC236}">
+                <a16:creationId xmlns:a16="http://schemas.microsoft.com/office/drawing/2014/main" id="{5F54DEA4-CEEC-30A2-341F-119258E8B876}"/>
+              </a:ext>
+            </a:extLst>
+          </p:cNvPr>
+          <p:cNvSpPr txBox="1"/>
+          <p:nvPr/>
+        </p:nvSpPr>
+        <p:spPr>
+          <a:xfrm>
+            <a:off x="3767844" y="-138857"/>
+            <a:ext cx="1023037" cy="307777"/>
+          </a:xfrm>
+          <a:prstGeom prst="rect">
+            <a:avLst/>
+          </a:prstGeom>
+          <a:noFill/>
+        </p:spPr>
+        <p:txBody>
+          <a:bodyPr wrap="none" rtlCol="0">
+            <a:spAutoFit/>
+          </a:bodyPr>
+          <a:lstStyle/>
+          <a:p>
+            <a:r>
+              <a:rPr lang="en-GB" sz="1400" b="0" i="0" u="none" strike="noStrike" dirty="0">
+                <a:solidFill>
+                  <a:srgbClr val="000000"/>
+                </a:solidFill>
+                <a:effectLst/>
+                <a:latin typeface="Calibri" panose="020F0502020204030204" pitchFamily="34" charset="0"/>
+                <a:cs typeface="Calibri" panose="020F0502020204030204" pitchFamily="34" charset="0"/>
+              </a:rPr>
+              <a:t>CAI34641.1</a:t>
+            </a:r>
+            <a:endParaRPr lang="en-DK" sz="1400" dirty="0">
+              <a:latin typeface="Calibri" panose="020F0502020204030204" pitchFamily="34" charset="0"/>
+              <a:cs typeface="Calibri" panose="020F0502020204030204" pitchFamily="34" charset="0"/>
+            </a:endParaRPr>
+          </a:p>
+        </p:txBody>
+      </p:sp>
+      <p:sp>
+        <p:nvSpPr>
+          <p:cNvPr id="16" name="TextBox 15">
+            <a:extLst>
+              <a:ext uri="{FF2B5EF4-FFF2-40B4-BE49-F238E27FC236}">
+                <a16:creationId xmlns:a16="http://schemas.microsoft.com/office/drawing/2014/main" id="{1B1B7AD4-C527-7C3C-268A-001A618C1A31}"/>
+              </a:ext>
+            </a:extLst>
+          </p:cNvPr>
+          <p:cNvSpPr txBox="1"/>
+          <p:nvPr/>
+        </p:nvSpPr>
+        <p:spPr>
+          <a:xfrm>
+            <a:off x="3767844" y="1653206"/>
+            <a:ext cx="1040670" cy="307777"/>
+          </a:xfrm>
+          <a:prstGeom prst="rect">
+            <a:avLst/>
+          </a:prstGeom>
+          <a:noFill/>
+        </p:spPr>
+        <p:txBody>
+          <a:bodyPr wrap="none" rtlCol="0">
+            <a:spAutoFit/>
+          </a:bodyPr>
+          <a:lstStyle/>
+          <a:p>
+            <a:r>
+              <a:rPr lang="en-GB" sz="1400" b="0" i="0" u="none" strike="noStrike" dirty="0">
+                <a:solidFill>
+                  <a:srgbClr val="000000"/>
+                </a:solidFill>
+                <a:effectLst/>
+                <a:latin typeface="Calibri" panose="020F0502020204030204" pitchFamily="34" charset="0"/>
+                <a:cs typeface="Calibri" panose="020F0502020204030204" pitchFamily="34" charset="0"/>
+              </a:rPr>
+              <a:t>AIG62747.1</a:t>
+            </a:r>
+            <a:endParaRPr lang="en-DK" sz="1400" dirty="0">
+              <a:latin typeface="Calibri" panose="020F0502020204030204" pitchFamily="34" charset="0"/>
+              <a:cs typeface="Calibri" panose="020F0502020204030204" pitchFamily="34" charset="0"/>
+            </a:endParaRPr>
+          </a:p>
+        </p:txBody>
+      </p:sp>
+      <p:cxnSp>
+        <p:nvCxnSpPr>
+          <p:cNvPr id="23" name="Straight Connector 22">
+            <a:extLst>
+              <a:ext uri="{FF2B5EF4-FFF2-40B4-BE49-F238E27FC236}">
+                <a16:creationId xmlns:a16="http://schemas.microsoft.com/office/drawing/2014/main" id="{951111D7-02BC-E511-346E-4D37C8493C14}"/>
+              </a:ext>
+            </a:extLst>
+          </p:cNvPr>
+          <p:cNvCxnSpPr>
+            <a:cxnSpLocks/>
+            <a:stCxn id="12" idx="2"/>
+            <a:endCxn id="16" idx="0"/>
+          </p:cNvCxnSpPr>
+          <p:nvPr/>
+        </p:nvCxnSpPr>
+        <p:spPr>
+          <a:xfrm>
+            <a:off x="4279363" y="168920"/>
+            <a:ext cx="8816" cy="1484286"/>
+          </a:xfrm>
+          <a:prstGeom prst="line">
+            <a:avLst/>
+          </a:prstGeom>
+          <a:ln w="28575"/>
+        </p:spPr>
+        <p:style>
+          <a:lnRef idx="1">
+            <a:schemeClr val="accent1"/>
+          </a:lnRef>
+          <a:fillRef idx="0">
+            <a:schemeClr val="accent1"/>
+          </a:fillRef>
+          <a:effectRef idx="0">
+            <a:schemeClr val="accent1"/>
+          </a:effectRef>
+          <a:fontRef idx="minor">
+            <a:schemeClr val="tx1"/>
+          </a:fontRef>
+        </p:style>
+      </p:cxnSp>
+      <p:sp>
+        <p:nvSpPr>
+          <p:cNvPr id="24" name="TextBox 23">
+            <a:extLst>
+              <a:ext uri="{FF2B5EF4-FFF2-40B4-BE49-F238E27FC236}">
+                <a16:creationId xmlns:a16="http://schemas.microsoft.com/office/drawing/2014/main" id="{78C2D61E-7CD5-F4CD-2461-40C4BC043395}"/>
+              </a:ext>
+            </a:extLst>
+          </p:cNvPr>
+          <p:cNvSpPr txBox="1"/>
+          <p:nvPr/>
+        </p:nvSpPr>
+        <p:spPr>
+          <a:xfrm>
+            <a:off x="4275824" y="757174"/>
+            <a:ext cx="1287468" cy="307777"/>
+          </a:xfrm>
+          <a:prstGeom prst="rect">
+            <a:avLst/>
+          </a:prstGeom>
+          <a:noFill/>
+        </p:spPr>
+        <p:txBody>
+          <a:bodyPr wrap="none" rtlCol="0">
+            <a:spAutoFit/>
+          </a:bodyPr>
+          <a:lstStyle/>
+          <a:p>
+            <a:r>
+              <a:rPr lang="en-DK" sz="1400" dirty="0">
+                <a:solidFill>
+                  <a:srgbClr val="0070C0"/>
+                </a:solidFill>
+              </a:rPr>
+              <a:t>Identity: 22.3%</a:t>
+            </a:r>
+          </a:p>
+        </p:txBody>
+      </p:sp>
+      <p:sp>
+        <p:nvSpPr>
+          <p:cNvPr id="31" name="Rectangle 30">
+            <a:extLst>
+              <a:ext uri="{FF2B5EF4-FFF2-40B4-BE49-F238E27FC236}">
+                <a16:creationId xmlns:a16="http://schemas.microsoft.com/office/drawing/2014/main" id="{1E00AA01-B117-B03E-12E0-7C9990EB1895}"/>
+              </a:ext>
+            </a:extLst>
+          </p:cNvPr>
+          <p:cNvSpPr/>
+          <p:nvPr/>
+        </p:nvSpPr>
+        <p:spPr>
+          <a:xfrm>
+            <a:off x="1467560" y="-714425"/>
+            <a:ext cx="8075708" cy="2961695"/>
+          </a:xfrm>
+          <a:prstGeom prst="rect">
+            <a:avLst/>
+          </a:prstGeom>
+          <a:noFill/>
+          <a:ln w="28575"/>
+        </p:spPr>
+        <p:style>
+          <a:lnRef idx="2">
+            <a:schemeClr val="accent1">
+              <a:shade val="15000"/>
+            </a:schemeClr>
+          </a:lnRef>
+          <a:fillRef idx="1">
+            <a:schemeClr val="accent1"/>
+          </a:fillRef>
+          <a:effectRef idx="0">
+            <a:schemeClr val="accent1"/>
+          </a:effectRef>
+          <a:fontRef idx="minor">
+            <a:schemeClr val="lt1"/>
+          </a:fontRef>
+        </p:style>
+        <p:txBody>
+          <a:bodyPr rtlCol="0" anchor="ctr"/>
+          <a:lstStyle/>
+          <a:p>
+            <a:pPr algn="ctr"/>
+            <a:endParaRPr lang="en-DK"/>
+          </a:p>
+        </p:txBody>
+      </p:sp>
+      <p:sp>
+        <p:nvSpPr>
+          <p:cNvPr id="32" name="TextBox 31">
+            <a:extLst>
+              <a:ext uri="{FF2B5EF4-FFF2-40B4-BE49-F238E27FC236}">
+                <a16:creationId xmlns:a16="http://schemas.microsoft.com/office/drawing/2014/main" id="{FF0F75CE-9367-176D-9C54-3124A1E13C5F}"/>
+              </a:ext>
+            </a:extLst>
+          </p:cNvPr>
+          <p:cNvSpPr txBox="1"/>
+          <p:nvPr/>
+        </p:nvSpPr>
+        <p:spPr>
+          <a:xfrm>
+            <a:off x="690496" y="566686"/>
+            <a:ext cx="747256" cy="369332"/>
+          </a:xfrm>
+          <a:prstGeom prst="rect">
+            <a:avLst/>
+          </a:prstGeom>
+          <a:noFill/>
+        </p:spPr>
+        <p:txBody>
+          <a:bodyPr wrap="none" rtlCol="0">
+            <a:spAutoFit/>
+          </a:bodyPr>
+          <a:lstStyle/>
+          <a:p>
+            <a:r>
+              <a:rPr lang="en-DK" dirty="0"/>
+              <a:t>GTxx7</a:t>
+            </a:r>
+          </a:p>
+        </p:txBody>
+      </p:sp>
+      <p:sp>
+        <p:nvSpPr>
+          <p:cNvPr id="33" name="Rectangle 32">
+            <a:extLst>
+              <a:ext uri="{FF2B5EF4-FFF2-40B4-BE49-F238E27FC236}">
+                <a16:creationId xmlns:a16="http://schemas.microsoft.com/office/drawing/2014/main" id="{4E16963D-ACF9-816B-0EEC-D054E83E9112}"/>
+              </a:ext>
+            </a:extLst>
+          </p:cNvPr>
+          <p:cNvSpPr/>
+          <p:nvPr/>
+        </p:nvSpPr>
+        <p:spPr>
+          <a:xfrm>
+            <a:off x="1467559" y="2434054"/>
+            <a:ext cx="8075707" cy="5583275"/>
+          </a:xfrm>
+          <a:prstGeom prst="rect">
+            <a:avLst/>
+          </a:prstGeom>
+          <a:noFill/>
+          <a:ln w="28575"/>
+        </p:spPr>
+        <p:style>
+          <a:lnRef idx="2">
+            <a:schemeClr val="accent1">
+              <a:shade val="15000"/>
+            </a:schemeClr>
+          </a:lnRef>
+          <a:fillRef idx="1">
+            <a:schemeClr val="accent1"/>
+          </a:fillRef>
+          <a:effectRef idx="0">
+            <a:schemeClr val="accent1"/>
+          </a:effectRef>
+          <a:fontRef idx="minor">
+            <a:schemeClr val="lt1"/>
+          </a:fontRef>
+        </p:style>
+        <p:txBody>
+          <a:bodyPr rtlCol="0" anchor="ctr"/>
+          <a:lstStyle/>
+          <a:p>
+            <a:pPr algn="ctr"/>
+            <a:endParaRPr lang="en-DK"/>
+          </a:p>
+        </p:txBody>
+      </p:sp>
+      <p:sp>
+        <p:nvSpPr>
+          <p:cNvPr id="38" name="TextBox 37">
+            <a:extLst>
+              <a:ext uri="{FF2B5EF4-FFF2-40B4-BE49-F238E27FC236}">
+                <a16:creationId xmlns:a16="http://schemas.microsoft.com/office/drawing/2014/main" id="{9C6ADA1C-7F0A-1750-7CE2-6E0AFBDBF9A0}"/>
+              </a:ext>
+            </a:extLst>
+          </p:cNvPr>
+          <p:cNvSpPr txBox="1"/>
+          <p:nvPr/>
+        </p:nvSpPr>
+        <p:spPr>
+          <a:xfrm>
+            <a:off x="1467560" y="2749627"/>
+            <a:ext cx="1340432" cy="523220"/>
+          </a:xfrm>
+          <a:prstGeom prst="rect">
+            <a:avLst/>
+          </a:prstGeom>
+          <a:noFill/>
+        </p:spPr>
+        <p:txBody>
+          <a:bodyPr wrap="none" rtlCol="0">
+            <a:spAutoFit/>
+          </a:bodyPr>
+          <a:lstStyle/>
+          <a:p>
+            <a:r>
+              <a:rPr lang="en-DK" sz="1400" i="1" dirty="0"/>
+              <a:t>Pseudomonas </a:t>
+            </a:r>
+          </a:p>
+          <a:p>
+            <a:r>
+              <a:rPr lang="en-DK" sz="1400" i="1" dirty="0"/>
+              <a:t>aeruginosa </a:t>
+            </a:r>
+            <a:r>
+              <a:rPr lang="en-DK" sz="1400" dirty="0"/>
+              <a:t>O16</a:t>
+            </a:r>
+          </a:p>
+        </p:txBody>
+      </p:sp>
+      <p:sp>
+        <p:nvSpPr>
+          <p:cNvPr id="39" name="TextBox 38">
+            <a:extLst>
+              <a:ext uri="{FF2B5EF4-FFF2-40B4-BE49-F238E27FC236}">
+                <a16:creationId xmlns:a16="http://schemas.microsoft.com/office/drawing/2014/main" id="{8F61833A-92E6-4198-7C60-87E62A988A95}"/>
+              </a:ext>
+            </a:extLst>
+          </p:cNvPr>
+          <p:cNvSpPr txBox="1"/>
+          <p:nvPr/>
+        </p:nvSpPr>
+        <p:spPr>
+          <a:xfrm>
+            <a:off x="1467559" y="4712649"/>
+            <a:ext cx="1884555" cy="523220"/>
+          </a:xfrm>
+          <a:prstGeom prst="rect">
+            <a:avLst/>
+          </a:prstGeom>
+          <a:noFill/>
+        </p:spPr>
+        <p:txBody>
+          <a:bodyPr wrap="none" rtlCol="0">
+            <a:spAutoFit/>
+          </a:bodyPr>
+          <a:lstStyle/>
+          <a:p>
+            <a:r>
+              <a:rPr lang="en-DK" sz="1400" i="1" dirty="0"/>
+              <a:t>Yersinia </a:t>
+            </a:r>
+          </a:p>
+          <a:p>
+            <a:r>
+              <a:rPr lang="en-DK" sz="1400" i="1" dirty="0"/>
+              <a:t>pseudotuberculosis </a:t>
+            </a:r>
+            <a:r>
+              <a:rPr lang="en-DK" sz="1400" dirty="0"/>
+              <a:t>O:9</a:t>
+            </a:r>
+          </a:p>
+        </p:txBody>
+      </p:sp>
+      <p:sp>
+        <p:nvSpPr>
+          <p:cNvPr id="40" name="TextBox 39">
+            <a:extLst>
+              <a:ext uri="{FF2B5EF4-FFF2-40B4-BE49-F238E27FC236}">
+                <a16:creationId xmlns:a16="http://schemas.microsoft.com/office/drawing/2014/main" id="{7204105E-5E69-993F-E38E-CC57710E04AD}"/>
+              </a:ext>
+            </a:extLst>
+          </p:cNvPr>
+          <p:cNvSpPr txBox="1"/>
+          <p:nvPr/>
+        </p:nvSpPr>
+        <p:spPr>
+          <a:xfrm>
+            <a:off x="1467559" y="7025102"/>
+            <a:ext cx="1042273" cy="523220"/>
+          </a:xfrm>
+          <a:prstGeom prst="rect">
+            <a:avLst/>
+          </a:prstGeom>
+          <a:noFill/>
+        </p:spPr>
+        <p:txBody>
+          <a:bodyPr wrap="none" rtlCol="0">
+            <a:spAutoFit/>
+          </a:bodyPr>
+          <a:lstStyle/>
+          <a:p>
+            <a:r>
+              <a:rPr lang="en-DK" sz="1400" i="1" dirty="0"/>
+              <a:t>Escherichia </a:t>
+            </a:r>
+          </a:p>
+          <a:p>
+            <a:r>
+              <a:rPr lang="en-DK" sz="1400" i="1" dirty="0"/>
+              <a:t>coli </a:t>
+            </a:r>
+            <a:r>
+              <a:rPr lang="en-DK" sz="1400" dirty="0"/>
+              <a:t>O30</a:t>
+            </a:r>
+          </a:p>
+        </p:txBody>
+      </p:sp>
+      <p:sp>
+        <p:nvSpPr>
+          <p:cNvPr id="41" name="TextBox 40">
+            <a:extLst>
+              <a:ext uri="{FF2B5EF4-FFF2-40B4-BE49-F238E27FC236}">
+                <a16:creationId xmlns:a16="http://schemas.microsoft.com/office/drawing/2014/main" id="{35CCA1B2-44F1-1591-0DCF-93CC211BADDF}"/>
+              </a:ext>
+            </a:extLst>
+          </p:cNvPr>
+          <p:cNvSpPr txBox="1"/>
+          <p:nvPr/>
+        </p:nvSpPr>
+        <p:spPr>
+          <a:xfrm>
+            <a:off x="3693195" y="2805986"/>
+            <a:ext cx="1140056" cy="307777"/>
+          </a:xfrm>
+          <a:prstGeom prst="rect">
+            <a:avLst/>
+          </a:prstGeom>
+          <a:noFill/>
+        </p:spPr>
+        <p:txBody>
+          <a:bodyPr wrap="none" rtlCol="0">
+            <a:spAutoFit/>
+          </a:bodyPr>
+          <a:lstStyle/>
+          <a:p>
+            <a:r>
+              <a:rPr lang="en-GB" sz="1400" b="0" i="0" u="none" strike="noStrike" dirty="0">
+                <a:solidFill>
+                  <a:srgbClr val="000000"/>
+                </a:solidFill>
+                <a:effectLst/>
+                <a:latin typeface="Calibri" panose="020F0502020204030204" pitchFamily="34" charset="0"/>
+                <a:cs typeface="Calibri" panose="020F0502020204030204" pitchFamily="34" charset="0"/>
+              </a:rPr>
+              <a:t>AAM27662.1</a:t>
+            </a:r>
+            <a:endParaRPr lang="en-DK" sz="1400" dirty="0">
+              <a:latin typeface="Calibri" panose="020F0502020204030204" pitchFamily="34" charset="0"/>
+              <a:cs typeface="Calibri" panose="020F0502020204030204" pitchFamily="34" charset="0"/>
+            </a:endParaRPr>
+          </a:p>
+        </p:txBody>
+      </p:sp>
+      <p:sp>
+        <p:nvSpPr>
+          <p:cNvPr id="42" name="TextBox 41">
+            <a:extLst>
+              <a:ext uri="{FF2B5EF4-FFF2-40B4-BE49-F238E27FC236}">
+                <a16:creationId xmlns:a16="http://schemas.microsoft.com/office/drawing/2014/main" id="{10DCFE7E-2472-F440-F530-2D33C785EBF0}"/>
+              </a:ext>
+            </a:extLst>
+          </p:cNvPr>
+          <p:cNvSpPr txBox="1"/>
+          <p:nvPr/>
+        </p:nvSpPr>
+        <p:spPr>
+          <a:xfrm>
+            <a:off x="3729663" y="4810623"/>
+            <a:ext cx="1066318" cy="307777"/>
+          </a:xfrm>
+          <a:prstGeom prst="rect">
+            <a:avLst/>
+          </a:prstGeom>
+          <a:noFill/>
+        </p:spPr>
+        <p:txBody>
+          <a:bodyPr wrap="none" rtlCol="0">
+            <a:spAutoFit/>
+          </a:bodyPr>
+          <a:lstStyle/>
+          <a:p>
+            <a:r>
+              <a:rPr lang="en-GB" sz="1400" b="0" i="0" u="none" strike="noStrike" dirty="0">
+                <a:solidFill>
+                  <a:srgbClr val="000000"/>
+                </a:solidFill>
+                <a:effectLst/>
+                <a:latin typeface="Calibri" panose="020F0502020204030204" pitchFamily="34" charset="0"/>
+                <a:cs typeface="Calibri" panose="020F0502020204030204" pitchFamily="34" charset="0"/>
+              </a:rPr>
+              <a:t>CDF66396.1</a:t>
+            </a:r>
+            <a:endParaRPr lang="en-DK" sz="1400" dirty="0">
+              <a:latin typeface="Calibri" panose="020F0502020204030204" pitchFamily="34" charset="0"/>
+              <a:cs typeface="Calibri" panose="020F0502020204030204" pitchFamily="34" charset="0"/>
+            </a:endParaRPr>
+          </a:p>
+        </p:txBody>
+      </p:sp>
+      <p:cxnSp>
+        <p:nvCxnSpPr>
+          <p:cNvPr id="43" name="Straight Connector 42">
+            <a:extLst>
+              <a:ext uri="{FF2B5EF4-FFF2-40B4-BE49-F238E27FC236}">
+                <a16:creationId xmlns:a16="http://schemas.microsoft.com/office/drawing/2014/main" id="{9985E044-BAE8-76E2-E438-526ACD85626D}"/>
+              </a:ext>
+            </a:extLst>
+          </p:cNvPr>
+          <p:cNvCxnSpPr>
+            <a:cxnSpLocks/>
+            <a:stCxn id="41" idx="2"/>
+            <a:endCxn id="42" idx="0"/>
+          </p:cNvCxnSpPr>
+          <p:nvPr/>
+        </p:nvCxnSpPr>
+        <p:spPr>
+          <a:xfrm flipH="1">
+            <a:off x="4262822" y="3113763"/>
+            <a:ext cx="401" cy="1696860"/>
+          </a:xfrm>
+          <a:prstGeom prst="line">
+            <a:avLst/>
+          </a:prstGeom>
+          <a:ln w="28575"/>
+        </p:spPr>
+        <p:style>
+          <a:lnRef idx="1">
+            <a:schemeClr val="accent1"/>
+          </a:lnRef>
+          <a:fillRef idx="0">
+            <a:schemeClr val="accent1"/>
+          </a:fillRef>
+          <a:effectRef idx="0">
+            <a:schemeClr val="accent1"/>
+          </a:effectRef>
+          <a:fontRef idx="minor">
+            <a:schemeClr val="tx1"/>
+          </a:fontRef>
+        </p:style>
+      </p:cxnSp>
+      <p:sp>
+        <p:nvSpPr>
+          <p:cNvPr id="44" name="TextBox 43">
+            <a:extLst>
+              <a:ext uri="{FF2B5EF4-FFF2-40B4-BE49-F238E27FC236}">
+                <a16:creationId xmlns:a16="http://schemas.microsoft.com/office/drawing/2014/main" id="{8DC74666-4D9E-C726-97DC-28BD2E16918F}"/>
+              </a:ext>
+            </a:extLst>
+          </p:cNvPr>
+          <p:cNvSpPr txBox="1"/>
+          <p:nvPr/>
+        </p:nvSpPr>
+        <p:spPr>
+          <a:xfrm>
+            <a:off x="4255276" y="3715513"/>
+            <a:ext cx="1287468" cy="307777"/>
+          </a:xfrm>
+          <a:prstGeom prst="rect">
+            <a:avLst/>
+          </a:prstGeom>
+          <a:noFill/>
+        </p:spPr>
+        <p:txBody>
+          <a:bodyPr wrap="none" rtlCol="0">
+            <a:spAutoFit/>
+          </a:bodyPr>
+          <a:lstStyle/>
+          <a:p>
+            <a:r>
+              <a:rPr lang="en-DK" sz="1400" dirty="0">
+                <a:solidFill>
+                  <a:srgbClr val="0070C0"/>
+                </a:solidFill>
+              </a:rPr>
+              <a:t>Identity: 20.7%</a:t>
+            </a:r>
+          </a:p>
+        </p:txBody>
+      </p:sp>
+      <p:sp>
+        <p:nvSpPr>
+          <p:cNvPr id="47" name="TextBox 46">
+            <a:extLst>
+              <a:ext uri="{FF2B5EF4-FFF2-40B4-BE49-F238E27FC236}">
+                <a16:creationId xmlns:a16="http://schemas.microsoft.com/office/drawing/2014/main" id="{3512D8A4-934E-8675-380A-F2E0DB630A67}"/>
+              </a:ext>
+            </a:extLst>
+          </p:cNvPr>
+          <p:cNvSpPr txBox="1"/>
+          <p:nvPr/>
+        </p:nvSpPr>
+        <p:spPr>
+          <a:xfrm>
+            <a:off x="3729663" y="7116885"/>
+            <a:ext cx="1096262" cy="307777"/>
+          </a:xfrm>
+          <a:prstGeom prst="rect">
+            <a:avLst/>
+          </a:prstGeom>
+          <a:noFill/>
+        </p:spPr>
+        <p:txBody>
+          <a:bodyPr wrap="none" rtlCol="0">
+            <a:spAutoFit/>
+          </a:bodyPr>
+          <a:lstStyle/>
+          <a:p>
+            <a:r>
+              <a:rPr lang="en-GB" sz="1400" b="0" i="0" u="none" strike="noStrike" dirty="0">
+                <a:solidFill>
+                  <a:srgbClr val="000000"/>
+                </a:solidFill>
+                <a:effectLst/>
+                <a:latin typeface="Calibri" panose="020F0502020204030204" pitchFamily="34" charset="0"/>
+                <a:cs typeface="Calibri" panose="020F0502020204030204" pitchFamily="34" charset="0"/>
+              </a:rPr>
+              <a:t>BAQ00780.1</a:t>
+            </a:r>
+            <a:endParaRPr lang="en-DK" sz="1400" dirty="0">
+              <a:latin typeface="Calibri" panose="020F0502020204030204" pitchFamily="34" charset="0"/>
+              <a:cs typeface="Calibri" panose="020F0502020204030204" pitchFamily="34" charset="0"/>
+            </a:endParaRPr>
+          </a:p>
+        </p:txBody>
+      </p:sp>
+      <p:cxnSp>
+        <p:nvCxnSpPr>
+          <p:cNvPr id="48" name="Straight Connector 47">
+            <a:extLst>
+              <a:ext uri="{FF2B5EF4-FFF2-40B4-BE49-F238E27FC236}">
+                <a16:creationId xmlns:a16="http://schemas.microsoft.com/office/drawing/2014/main" id="{94DE7DFA-5F1C-FCAA-0660-4D6F442716BD}"/>
+              </a:ext>
+            </a:extLst>
+          </p:cNvPr>
+          <p:cNvCxnSpPr>
+            <a:cxnSpLocks/>
+            <a:stCxn id="42" idx="2"/>
+            <a:endCxn id="47" idx="0"/>
+          </p:cNvCxnSpPr>
+          <p:nvPr/>
+        </p:nvCxnSpPr>
+        <p:spPr>
+          <a:xfrm>
+            <a:off x="4262822" y="5118400"/>
+            <a:ext cx="14972" cy="1998485"/>
+          </a:xfrm>
+          <a:prstGeom prst="line">
+            <a:avLst/>
+          </a:prstGeom>
+          <a:ln w="28575"/>
+        </p:spPr>
+        <p:style>
+          <a:lnRef idx="1">
+            <a:schemeClr val="accent1"/>
+          </a:lnRef>
+          <a:fillRef idx="0">
+            <a:schemeClr val="accent1"/>
+          </a:fillRef>
+          <a:effectRef idx="0">
+            <a:schemeClr val="accent1"/>
+          </a:effectRef>
+          <a:fontRef idx="minor">
+            <a:schemeClr val="tx1"/>
+          </a:fontRef>
+        </p:style>
+      </p:cxnSp>
+      <p:sp>
+        <p:nvSpPr>
+          <p:cNvPr id="49" name="TextBox 48">
+            <a:extLst>
+              <a:ext uri="{FF2B5EF4-FFF2-40B4-BE49-F238E27FC236}">
+                <a16:creationId xmlns:a16="http://schemas.microsoft.com/office/drawing/2014/main" id="{B042327B-17D9-2A40-4E7E-3C933C50499D}"/>
+              </a:ext>
+            </a:extLst>
+          </p:cNvPr>
+          <p:cNvSpPr txBox="1"/>
+          <p:nvPr/>
+        </p:nvSpPr>
+        <p:spPr>
+          <a:xfrm>
+            <a:off x="4246480" y="5996103"/>
+            <a:ext cx="1287468" cy="307777"/>
+          </a:xfrm>
+          <a:prstGeom prst="rect">
+            <a:avLst/>
+          </a:prstGeom>
+          <a:noFill/>
+        </p:spPr>
+        <p:txBody>
+          <a:bodyPr wrap="none" rtlCol="0">
+            <a:spAutoFit/>
+          </a:bodyPr>
+          <a:lstStyle/>
+          <a:p>
+            <a:r>
+              <a:rPr lang="en-DK" sz="1400" dirty="0">
+                <a:solidFill>
+                  <a:srgbClr val="0070C0"/>
+                </a:solidFill>
+              </a:rPr>
+              <a:t>Identity: 25.0%</a:t>
+            </a:r>
+          </a:p>
+        </p:txBody>
+      </p:sp>
+      <p:sp>
+        <p:nvSpPr>
+          <p:cNvPr id="53" name="TextBox 52">
+            <a:extLst>
+              <a:ext uri="{FF2B5EF4-FFF2-40B4-BE49-F238E27FC236}">
+                <a16:creationId xmlns:a16="http://schemas.microsoft.com/office/drawing/2014/main" id="{90F45ABA-DB7A-4763-5B8D-A58F015A5E6D}"/>
+              </a:ext>
+            </a:extLst>
+          </p:cNvPr>
+          <p:cNvSpPr txBox="1"/>
+          <p:nvPr/>
+        </p:nvSpPr>
+        <p:spPr>
+          <a:xfrm>
+            <a:off x="688067" y="4952642"/>
+            <a:ext cx="764889" cy="369332"/>
+          </a:xfrm>
+          <a:prstGeom prst="rect">
+            <a:avLst/>
+          </a:prstGeom>
+          <a:noFill/>
+        </p:spPr>
+        <p:txBody>
+          <a:bodyPr wrap="none" rtlCol="0">
+            <a:spAutoFit/>
+          </a:bodyPr>
+          <a:lstStyle/>
+          <a:p>
+            <a:r>
+              <a:rPr lang="en-DK" dirty="0"/>
+              <a:t>GTx15</a:t>
+            </a:r>
+          </a:p>
+        </p:txBody>
+      </p:sp>
+      <p:pic>
+        <p:nvPicPr>
+          <p:cNvPr id="18" name="Picture 17">
+            <a:extLst>
+              <a:ext uri="{FF2B5EF4-FFF2-40B4-BE49-F238E27FC236}">
+                <a16:creationId xmlns:a16="http://schemas.microsoft.com/office/drawing/2014/main" id="{47BCCE0E-2432-8454-8A12-264C28753D3E}"/>
+              </a:ext>
+            </a:extLst>
+          </p:cNvPr>
+          <p:cNvPicPr>
+            <a:picLocks noChangeAspect="1"/>
+          </p:cNvPicPr>
+          <p:nvPr/>
+        </p:nvPicPr>
+        <p:blipFill>
+          <a:blip r:embed="rId6"/>
+          <a:stretch>
+            <a:fillRect/>
+          </a:stretch>
+        </p:blipFill>
+        <p:spPr>
+          <a:xfrm>
+            <a:off x="6371385" y="2561508"/>
+            <a:ext cx="2541026" cy="933438"/>
+          </a:xfrm>
+          <a:prstGeom prst="rect">
+            <a:avLst/>
+          </a:prstGeom>
+        </p:spPr>
+      </p:pic>
+      <p:sp>
+        <p:nvSpPr>
+          <p:cNvPr id="2" name="TextBox 1">
+            <a:extLst>
+              <a:ext uri="{FF2B5EF4-FFF2-40B4-BE49-F238E27FC236}">
+                <a16:creationId xmlns:a16="http://schemas.microsoft.com/office/drawing/2014/main" id="{A66AD751-64CA-8937-2A05-8A6C1816B439}"/>
+              </a:ext>
+            </a:extLst>
+          </p:cNvPr>
+          <p:cNvSpPr txBox="1"/>
+          <p:nvPr/>
+        </p:nvSpPr>
+        <p:spPr>
+          <a:xfrm>
+            <a:off x="5804400" y="663179"/>
+            <a:ext cx="3640099" cy="307777"/>
+          </a:xfrm>
+          <a:prstGeom prst="rect">
+            <a:avLst/>
+          </a:prstGeom>
+          <a:noFill/>
+        </p:spPr>
+        <p:txBody>
+          <a:bodyPr wrap="none" rtlCol="0">
+            <a:spAutoFit/>
+          </a:bodyPr>
+          <a:lstStyle/>
+          <a:p>
+            <a:r>
+              <a:rPr lang="en-GB" sz="1400" b="0" i="0" u="none" strike="noStrike" dirty="0">
+                <a:solidFill>
+                  <a:srgbClr val="1D1C1D"/>
+                </a:solidFill>
+                <a:effectLst/>
+                <a:latin typeface="Calibri" panose="020F0502020204030204" pitchFamily="34" charset="0"/>
+                <a:cs typeface="Calibri" panose="020F0502020204030204" pitchFamily="34" charset="0"/>
+              </a:rPr>
+              <a:t>4D-p-1D, 4U-p-1D, 2N-l-5N, P, 6N-f-1U, 3U-p-1U</a:t>
+            </a:r>
+            <a:endParaRPr lang="en-DK" sz="1400" dirty="0">
+              <a:latin typeface="Calibri" panose="020F0502020204030204" pitchFamily="34" charset="0"/>
+              <a:cs typeface="Calibri" panose="020F0502020204030204" pitchFamily="34" charset="0"/>
+            </a:endParaRPr>
+          </a:p>
+        </p:txBody>
+      </p:sp>
+      <p:sp>
+        <p:nvSpPr>
+          <p:cNvPr id="7" name="TextBox 6">
+            <a:extLst>
+              <a:ext uri="{FF2B5EF4-FFF2-40B4-BE49-F238E27FC236}">
+                <a16:creationId xmlns:a16="http://schemas.microsoft.com/office/drawing/2014/main" id="{4BE3A133-C12C-D055-ED7F-82C0585A4749}"/>
+              </a:ext>
+            </a:extLst>
+          </p:cNvPr>
+          <p:cNvSpPr txBox="1"/>
+          <p:nvPr/>
+        </p:nvSpPr>
+        <p:spPr>
+          <a:xfrm>
+            <a:off x="5854691" y="1885319"/>
+            <a:ext cx="3522887" cy="307777"/>
+          </a:xfrm>
+          <a:prstGeom prst="rect">
+            <a:avLst/>
+          </a:prstGeom>
+          <a:noFill/>
+        </p:spPr>
+        <p:txBody>
+          <a:bodyPr wrap="none" rtlCol="0">
+            <a:spAutoFit/>
+          </a:bodyPr>
+          <a:lstStyle/>
+          <a:p>
+            <a:r>
+              <a:rPr lang="en-GB" sz="1400" b="0" i="0" u="none" strike="noStrike" dirty="0">
+                <a:solidFill>
+                  <a:srgbClr val="1D1C1D"/>
+                </a:solidFill>
+                <a:effectLst/>
+                <a:latin typeface="Calibri" panose="020F0502020204030204" pitchFamily="34" charset="0"/>
+                <a:cs typeface="Calibri" panose="020F0502020204030204" pitchFamily="34" charset="0"/>
+              </a:rPr>
+              <a:t>4D-p-1D, 4U-p-1D, 2D-f-1D, 4U-p-1U, 3U-p-1U</a:t>
+            </a:r>
+            <a:endParaRPr lang="en-DK" sz="1400" dirty="0">
+              <a:latin typeface="Calibri" panose="020F0502020204030204" pitchFamily="34" charset="0"/>
+              <a:cs typeface="Calibri" panose="020F0502020204030204" pitchFamily="34" charset="0"/>
+            </a:endParaRPr>
+          </a:p>
+        </p:txBody>
+      </p:sp>
+      <p:sp>
+        <p:nvSpPr>
+          <p:cNvPr id="14" name="TextBox 13">
+            <a:extLst>
+              <a:ext uri="{FF2B5EF4-FFF2-40B4-BE49-F238E27FC236}">
+                <a16:creationId xmlns:a16="http://schemas.microsoft.com/office/drawing/2014/main" id="{C2DF7B92-7948-707C-4F76-4436ACDFE191}"/>
+              </a:ext>
+            </a:extLst>
+          </p:cNvPr>
+          <p:cNvSpPr txBox="1"/>
+          <p:nvPr/>
+        </p:nvSpPr>
+        <p:spPr>
+          <a:xfrm>
+            <a:off x="6562833" y="3387591"/>
+            <a:ext cx="2106602" cy="307777"/>
+          </a:xfrm>
+          <a:prstGeom prst="rect">
+            <a:avLst/>
+          </a:prstGeom>
+          <a:noFill/>
+        </p:spPr>
+        <p:txBody>
+          <a:bodyPr wrap="none" rtlCol="0">
+            <a:spAutoFit/>
+          </a:bodyPr>
+          <a:lstStyle/>
+          <a:p>
+            <a:r>
+              <a:rPr lang="en-GB" sz="1400" b="0" i="0" u="none" strike="noStrike" dirty="0">
+                <a:solidFill>
+                  <a:srgbClr val="1D1C1D"/>
+                </a:solidFill>
+                <a:effectLst/>
+                <a:latin typeface="Calibri" panose="020F0502020204030204" pitchFamily="34" charset="0"/>
+                <a:cs typeface="Calibri" panose="020F0502020204030204" pitchFamily="34" charset="0"/>
+              </a:rPr>
+              <a:t>4D-p-1U,4D-p-1U,3U-p-1D</a:t>
+            </a:r>
+            <a:endParaRPr lang="en-DK" sz="1400" dirty="0">
+              <a:latin typeface="Calibri" panose="020F0502020204030204" pitchFamily="34" charset="0"/>
+              <a:cs typeface="Calibri" panose="020F0502020204030204" pitchFamily="34" charset="0"/>
+            </a:endParaRPr>
+          </a:p>
+        </p:txBody>
+      </p:sp>
+      <p:sp>
+        <p:nvSpPr>
+          <p:cNvPr id="15" name="TextBox 14">
+            <a:extLst>
+              <a:ext uri="{FF2B5EF4-FFF2-40B4-BE49-F238E27FC236}">
+                <a16:creationId xmlns:a16="http://schemas.microsoft.com/office/drawing/2014/main" id="{5E9876D6-7AE3-BE1A-E787-A2FF6F0ED207}"/>
+              </a:ext>
+            </a:extLst>
+          </p:cNvPr>
+          <p:cNvSpPr txBox="1"/>
+          <p:nvPr/>
+        </p:nvSpPr>
+        <p:spPr>
+          <a:xfrm>
+            <a:off x="6562687" y="5670375"/>
+            <a:ext cx="2106602" cy="307777"/>
+          </a:xfrm>
+          <a:prstGeom prst="rect">
+            <a:avLst/>
+          </a:prstGeom>
+          <a:noFill/>
+        </p:spPr>
+        <p:txBody>
+          <a:bodyPr wrap="none" rtlCol="0">
+            <a:spAutoFit/>
+          </a:bodyPr>
+          <a:lstStyle/>
+          <a:p>
+            <a:r>
+              <a:rPr lang="en-GB" sz="1400" b="0" i="0" u="none" strike="noStrike" dirty="0">
+                <a:solidFill>
+                  <a:srgbClr val="1D1C1D"/>
+                </a:solidFill>
+                <a:effectLst/>
+                <a:latin typeface="Calibri" panose="020F0502020204030204" pitchFamily="34" charset="0"/>
+                <a:cs typeface="Calibri" panose="020F0502020204030204" pitchFamily="34" charset="0"/>
+              </a:rPr>
+              <a:t>4D-p-1U,4D-p-1U,3U-p-1D</a:t>
+            </a:r>
+            <a:endParaRPr lang="en-DK" sz="1400" dirty="0">
+              <a:latin typeface="Calibri" panose="020F0502020204030204" pitchFamily="34" charset="0"/>
+              <a:cs typeface="Calibri" panose="020F0502020204030204" pitchFamily="34" charset="0"/>
+            </a:endParaRPr>
+          </a:p>
+        </p:txBody>
+      </p:sp>
+      <p:sp>
+        <p:nvSpPr>
+          <p:cNvPr id="17" name="TextBox 16">
+            <a:extLst>
+              <a:ext uri="{FF2B5EF4-FFF2-40B4-BE49-F238E27FC236}">
+                <a16:creationId xmlns:a16="http://schemas.microsoft.com/office/drawing/2014/main" id="{955CDAFC-1721-784D-B212-8F55BCFB6D4E}"/>
+              </a:ext>
+            </a:extLst>
+          </p:cNvPr>
+          <p:cNvSpPr txBox="1"/>
+          <p:nvPr/>
+        </p:nvSpPr>
+        <p:spPr>
+          <a:xfrm>
+            <a:off x="6621812" y="7696486"/>
+            <a:ext cx="2106602" cy="307777"/>
+          </a:xfrm>
+          <a:prstGeom prst="rect">
+            <a:avLst/>
+          </a:prstGeom>
+          <a:noFill/>
+        </p:spPr>
+        <p:txBody>
+          <a:bodyPr wrap="none" rtlCol="0">
+            <a:spAutoFit/>
+          </a:bodyPr>
+          <a:lstStyle/>
+          <a:p>
+            <a:r>
+              <a:rPr lang="en-GB" sz="1400" b="0" i="0" u="none" strike="noStrike" dirty="0">
+                <a:solidFill>
+                  <a:srgbClr val="1D1C1D"/>
+                </a:solidFill>
+                <a:effectLst/>
+                <a:latin typeface="Calibri" panose="020F0502020204030204" pitchFamily="34" charset="0"/>
+                <a:cs typeface="Calibri" panose="020F0502020204030204" pitchFamily="34" charset="0"/>
+              </a:rPr>
+              <a:t>4D-p-1U,4D-p-1U,3U-p-1D</a:t>
+            </a:r>
+            <a:endParaRPr lang="en-DK" sz="1400" dirty="0">
+              <a:latin typeface="Calibri" panose="020F0502020204030204" pitchFamily="34" charset="0"/>
+              <a:cs typeface="Calibri" panose="020F0502020204030204" pitchFamily="34" charset="0"/>
+            </a:endParaRPr>
+          </a:p>
+        </p:txBody>
+      </p:sp>
+    </p:spTree>
+    <p:extLst>
+      <p:ext uri="{BB962C8B-B14F-4D97-AF65-F5344CB8AC3E}">
+        <p14:creationId xmlns:p14="http://schemas.microsoft.com/office/powerpoint/2010/main" val="2880958809"/>
+      </p:ext>
+    </p:extLst>
+  </p:cSld>
+  <p:clrMapOvr>
+    <a:masterClrMapping/>
+  </p:clrMapOvr>
+</p:sld>
+</file>
+
+<file path=ppt/slides/slide5.xml><?xml version="1.0" encoding="utf-8"?>
+<p:sld xmlns:a="http://schemas.openxmlformats.org/drawingml/2006/main" xmlns:r="http://schemas.openxmlformats.org/officeDocument/2006/relationships" xmlns:p="http://schemas.openxmlformats.org/presentationml/2006/main">
+  <p:cSld>
+    <p:spTree>
+      <p:nvGrpSpPr>
+        <p:cNvPr id="1" name=""/>
+        <p:cNvGrpSpPr/>
+        <p:nvPr/>
+      </p:nvGrpSpPr>
+      <p:grpSpPr>
+        <a:xfrm>
+          <a:off x="0" y="0"/>
+          <a:ext cx="0" cy="0"/>
+          <a:chOff x="0" y="0"/>
+          <a:chExt cx="0" cy="0"/>
+        </a:xfrm>
+      </p:grpSpPr>
+      <p:pic>
+        <p:nvPicPr>
+          <p:cNvPr id="5" name="Picture 4">
+            <a:extLst>
+              <a:ext uri="{FF2B5EF4-FFF2-40B4-BE49-F238E27FC236}">
+                <a16:creationId xmlns:a16="http://schemas.microsoft.com/office/drawing/2014/main" id="{3E171661-8F19-DA93-A974-34B5ACA5B46C}"/>
+              </a:ext>
+            </a:extLst>
+          </p:cNvPr>
+          <p:cNvPicPr>
+            <a:picLocks noChangeAspect="1"/>
+          </p:cNvPicPr>
+          <p:nvPr/>
+        </p:nvPicPr>
+        <p:blipFill>
+          <a:blip r:embed="rId2"/>
+          <a:stretch>
+            <a:fillRect/>
+          </a:stretch>
+        </p:blipFill>
+        <p:spPr>
+          <a:xfrm>
+            <a:off x="6489892" y="5815456"/>
+            <a:ext cx="2370443" cy="1061137"/>
+          </a:xfrm>
+          <a:prstGeom prst="rect">
+            <a:avLst/>
+          </a:prstGeom>
+        </p:spPr>
+      </p:pic>
+      <p:pic>
+        <p:nvPicPr>
+          <p:cNvPr id="9" name="Picture 8">
+            <a:extLst>
+              <a:ext uri="{FF2B5EF4-FFF2-40B4-BE49-F238E27FC236}">
+                <a16:creationId xmlns:a16="http://schemas.microsoft.com/office/drawing/2014/main" id="{6EB8C858-401B-1E33-89F8-DC4D989231E3}"/>
+              </a:ext>
+            </a:extLst>
+          </p:cNvPr>
+          <p:cNvPicPr>
+            <a:picLocks noChangeAspect="1"/>
+          </p:cNvPicPr>
+          <p:nvPr/>
+        </p:nvPicPr>
+        <p:blipFill>
+          <a:blip r:embed="rId3"/>
+          <a:stretch>
+            <a:fillRect/>
+          </a:stretch>
+        </p:blipFill>
+        <p:spPr>
+          <a:xfrm>
+            <a:off x="6489892" y="3826152"/>
+            <a:ext cx="2370443" cy="1643050"/>
+          </a:xfrm>
+          <a:prstGeom prst="rect">
+            <a:avLst/>
+          </a:prstGeom>
+        </p:spPr>
+      </p:pic>
+      <p:pic>
+        <p:nvPicPr>
+          <p:cNvPr id="11" name="Picture 10">
+            <a:extLst>
+              <a:ext uri="{FF2B5EF4-FFF2-40B4-BE49-F238E27FC236}">
+                <a16:creationId xmlns:a16="http://schemas.microsoft.com/office/drawing/2014/main" id="{8986D45F-D83C-B575-D20D-7E14193854E6}"/>
+              </a:ext>
+            </a:extLst>
+          </p:cNvPr>
+          <p:cNvPicPr>
+            <a:picLocks noChangeAspect="1"/>
+          </p:cNvPicPr>
+          <p:nvPr/>
+        </p:nvPicPr>
+        <p:blipFill>
+          <a:blip r:embed="rId4"/>
+          <a:stretch>
+            <a:fillRect/>
+          </a:stretch>
+        </p:blipFill>
+        <p:spPr>
+          <a:xfrm>
+            <a:off x="5662061" y="-1270873"/>
+            <a:ext cx="3782438" cy="1583147"/>
+          </a:xfrm>
+          <a:prstGeom prst="rect">
+            <a:avLst/>
+          </a:prstGeom>
+        </p:spPr>
+      </p:pic>
+      <p:pic>
+        <p:nvPicPr>
+          <p:cNvPr id="13" name="Picture 12">
+            <a:extLst>
+              <a:ext uri="{FF2B5EF4-FFF2-40B4-BE49-F238E27FC236}">
+                <a16:creationId xmlns:a16="http://schemas.microsoft.com/office/drawing/2014/main" id="{F259C1EB-2368-CD30-BDA8-E43B8D7F65BE}"/>
+              </a:ext>
+            </a:extLst>
+          </p:cNvPr>
+          <p:cNvPicPr>
+            <a:picLocks noChangeAspect="1"/>
+          </p:cNvPicPr>
+          <p:nvPr/>
+        </p:nvPicPr>
+        <p:blipFill>
+          <a:blip r:embed="rId5"/>
+          <a:stretch>
+            <a:fillRect/>
+          </a:stretch>
+        </p:blipFill>
+        <p:spPr>
+          <a:xfrm>
+            <a:off x="5769029" y="1009955"/>
+            <a:ext cx="3568501" cy="376532"/>
+          </a:xfrm>
+          <a:prstGeom prst="rect">
+            <a:avLst/>
+          </a:prstGeom>
+        </p:spPr>
+      </p:pic>
+      <p:sp>
+        <p:nvSpPr>
+          <p:cNvPr id="3" name="TextBox 2">
+            <a:extLst>
+              <a:ext uri="{FF2B5EF4-FFF2-40B4-BE49-F238E27FC236}">
+                <a16:creationId xmlns:a16="http://schemas.microsoft.com/office/drawing/2014/main" id="{9112539A-8025-D4DE-DEE9-6D3BE92BA290}"/>
+              </a:ext>
+            </a:extLst>
+          </p:cNvPr>
+          <p:cNvSpPr txBox="1"/>
+          <p:nvPr/>
+        </p:nvSpPr>
+        <p:spPr>
+          <a:xfrm>
+            <a:off x="1865158" y="-1594513"/>
+            <a:ext cx="1078117" cy="369332"/>
+          </a:xfrm>
+          <a:prstGeom prst="rect">
+            <a:avLst/>
+          </a:prstGeom>
+          <a:noFill/>
+        </p:spPr>
+        <p:txBody>
+          <a:bodyPr wrap="none" rtlCol="0">
+            <a:spAutoFit/>
+          </a:bodyPr>
+          <a:lstStyle/>
+          <a:p>
+            <a:pPr algn="ctr"/>
+            <a:r>
+              <a:rPr lang="en-DK" dirty="0"/>
+              <a:t>Organism</a:t>
+            </a:r>
+          </a:p>
+        </p:txBody>
+      </p:sp>
+      <p:sp>
+        <p:nvSpPr>
+          <p:cNvPr id="4" name="TextBox 3">
+            <a:extLst>
+              <a:ext uri="{FF2B5EF4-FFF2-40B4-BE49-F238E27FC236}">
+                <a16:creationId xmlns:a16="http://schemas.microsoft.com/office/drawing/2014/main" id="{9AA64F7C-4BBE-257F-B1AD-B40E9D80D775}"/>
+              </a:ext>
+            </a:extLst>
+          </p:cNvPr>
+          <p:cNvSpPr txBox="1"/>
+          <p:nvPr/>
+        </p:nvSpPr>
+        <p:spPr>
+          <a:xfrm>
+            <a:off x="6990356" y="-1600259"/>
+            <a:ext cx="812979" cy="369332"/>
+          </a:xfrm>
+          <a:prstGeom prst="rect">
+            <a:avLst/>
+          </a:prstGeom>
+          <a:noFill/>
+        </p:spPr>
+        <p:txBody>
+          <a:bodyPr wrap="none" rtlCol="0">
+            <a:spAutoFit/>
+          </a:bodyPr>
+          <a:lstStyle/>
+          <a:p>
+            <a:r>
+              <a:rPr lang="en-DK" dirty="0"/>
+              <a:t>Glycan</a:t>
+            </a:r>
+          </a:p>
+        </p:txBody>
+      </p:sp>
+      <p:sp>
+        <p:nvSpPr>
+          <p:cNvPr id="6" name="TextBox 5">
+            <a:extLst>
+              <a:ext uri="{FF2B5EF4-FFF2-40B4-BE49-F238E27FC236}">
+                <a16:creationId xmlns:a16="http://schemas.microsoft.com/office/drawing/2014/main" id="{C6922EC0-624C-BED4-6F26-434D1FB6D649}"/>
+              </a:ext>
+            </a:extLst>
+          </p:cNvPr>
+          <p:cNvSpPr txBox="1"/>
+          <p:nvPr/>
+        </p:nvSpPr>
+        <p:spPr>
+          <a:xfrm>
+            <a:off x="4014429" y="-1594513"/>
+            <a:ext cx="780727" cy="369332"/>
+          </a:xfrm>
+          <a:prstGeom prst="rect">
+            <a:avLst/>
+          </a:prstGeom>
+          <a:noFill/>
+        </p:spPr>
+        <p:txBody>
+          <a:bodyPr wrap="none" rtlCol="0">
+            <a:spAutoFit/>
+          </a:bodyPr>
+          <a:lstStyle/>
+          <a:p>
+            <a:r>
+              <a:rPr lang="en-DK" dirty="0"/>
+              <a:t>BP-Pol</a:t>
+            </a:r>
+          </a:p>
+        </p:txBody>
+      </p:sp>
+      <p:sp>
+        <p:nvSpPr>
+          <p:cNvPr id="8" name="TextBox 7">
+            <a:extLst>
+              <a:ext uri="{FF2B5EF4-FFF2-40B4-BE49-F238E27FC236}">
+                <a16:creationId xmlns:a16="http://schemas.microsoft.com/office/drawing/2014/main" id="{E923EAFA-B662-6EB2-2BA7-4AC98AC8DC7B}"/>
+              </a:ext>
+            </a:extLst>
+          </p:cNvPr>
+          <p:cNvSpPr txBox="1"/>
+          <p:nvPr/>
+        </p:nvSpPr>
+        <p:spPr>
+          <a:xfrm>
+            <a:off x="1698742" y="-509922"/>
+            <a:ext cx="1422184" cy="523220"/>
+          </a:xfrm>
+          <a:prstGeom prst="rect">
+            <a:avLst/>
+          </a:prstGeom>
+          <a:noFill/>
+        </p:spPr>
+        <p:txBody>
+          <a:bodyPr wrap="none" rtlCol="0">
+            <a:spAutoFit/>
+          </a:bodyPr>
+          <a:lstStyle/>
+          <a:p>
+            <a:pPr algn="ctr"/>
+            <a:r>
+              <a:rPr lang="en-DK" sz="1400" i="1" dirty="0"/>
+              <a:t>Streptococcus </a:t>
+            </a:r>
+          </a:p>
+          <a:p>
+            <a:pPr algn="ctr"/>
+            <a:r>
+              <a:rPr lang="en-DK" sz="1400" i="1" dirty="0"/>
+              <a:t>pneumoniae</a:t>
+            </a:r>
+            <a:r>
+              <a:rPr lang="en-DK" sz="1400" dirty="0"/>
+              <a:t> 47A</a:t>
+            </a:r>
+          </a:p>
+        </p:txBody>
+      </p:sp>
+      <p:sp>
+        <p:nvSpPr>
+          <p:cNvPr id="10" name="TextBox 9">
+            <a:extLst>
+              <a:ext uri="{FF2B5EF4-FFF2-40B4-BE49-F238E27FC236}">
+                <a16:creationId xmlns:a16="http://schemas.microsoft.com/office/drawing/2014/main" id="{E484644F-6580-B965-E056-34F608445014}"/>
+              </a:ext>
+            </a:extLst>
+          </p:cNvPr>
+          <p:cNvSpPr txBox="1"/>
+          <p:nvPr/>
+        </p:nvSpPr>
+        <p:spPr>
+          <a:xfrm>
+            <a:off x="1888698" y="1102906"/>
+            <a:ext cx="1042273" cy="523220"/>
+          </a:xfrm>
+          <a:prstGeom prst="rect">
+            <a:avLst/>
+          </a:prstGeom>
+          <a:noFill/>
+        </p:spPr>
+        <p:txBody>
+          <a:bodyPr wrap="none" rtlCol="0">
+            <a:spAutoFit/>
+          </a:bodyPr>
+          <a:lstStyle/>
+          <a:p>
+            <a:pPr algn="ctr"/>
+            <a:r>
+              <a:rPr lang="en-DK" sz="1400" i="1" dirty="0"/>
+              <a:t>Escherichia </a:t>
+            </a:r>
+          </a:p>
+          <a:p>
+            <a:pPr algn="ctr"/>
+            <a:r>
+              <a:rPr lang="en-DK" sz="1400" i="1" dirty="0"/>
+              <a:t>coli </a:t>
+            </a:r>
+            <a:r>
+              <a:rPr lang="en-DK" sz="1400" dirty="0"/>
+              <a:t>O178</a:t>
+            </a:r>
+          </a:p>
+        </p:txBody>
+      </p:sp>
+      <p:sp>
+        <p:nvSpPr>
+          <p:cNvPr id="12" name="TextBox 11">
+            <a:extLst>
+              <a:ext uri="{FF2B5EF4-FFF2-40B4-BE49-F238E27FC236}">
+                <a16:creationId xmlns:a16="http://schemas.microsoft.com/office/drawing/2014/main" id="{5F54DEA4-CEEC-30A2-341F-119258E8B876}"/>
+              </a:ext>
+            </a:extLst>
+          </p:cNvPr>
+          <p:cNvSpPr txBox="1"/>
+          <p:nvPr/>
+        </p:nvSpPr>
+        <p:spPr>
+          <a:xfrm>
+            <a:off x="3893275" y="-453474"/>
+            <a:ext cx="1023037" cy="307777"/>
+          </a:xfrm>
+          <a:prstGeom prst="rect">
+            <a:avLst/>
+          </a:prstGeom>
+          <a:noFill/>
+        </p:spPr>
+        <p:txBody>
+          <a:bodyPr wrap="none" rtlCol="0">
+            <a:spAutoFit/>
+          </a:bodyPr>
+          <a:lstStyle/>
+          <a:p>
+            <a:r>
+              <a:rPr lang="en-GB" sz="1400" b="0" i="0" u="none" strike="noStrike" dirty="0">
+                <a:solidFill>
+                  <a:srgbClr val="000000"/>
+                </a:solidFill>
+                <a:effectLst/>
+                <a:latin typeface="Calibri" panose="020F0502020204030204" pitchFamily="34" charset="0"/>
+                <a:cs typeface="Calibri" panose="020F0502020204030204" pitchFamily="34" charset="0"/>
+              </a:rPr>
+              <a:t>CAI34641.1</a:t>
+            </a:r>
+            <a:endParaRPr lang="en-DK" sz="1400" dirty="0">
+              <a:latin typeface="Calibri" panose="020F0502020204030204" pitchFamily="34" charset="0"/>
+              <a:cs typeface="Calibri" panose="020F0502020204030204" pitchFamily="34" charset="0"/>
+            </a:endParaRPr>
+          </a:p>
+        </p:txBody>
+      </p:sp>
+      <p:sp>
+        <p:nvSpPr>
+          <p:cNvPr id="16" name="TextBox 15">
+            <a:extLst>
+              <a:ext uri="{FF2B5EF4-FFF2-40B4-BE49-F238E27FC236}">
+                <a16:creationId xmlns:a16="http://schemas.microsoft.com/office/drawing/2014/main" id="{1B1B7AD4-C527-7C3C-268A-001A618C1A31}"/>
+              </a:ext>
+            </a:extLst>
+          </p:cNvPr>
+          <p:cNvSpPr txBox="1"/>
+          <p:nvPr/>
+        </p:nvSpPr>
+        <p:spPr>
+          <a:xfrm>
+            <a:off x="3869487" y="1209097"/>
+            <a:ext cx="1040670" cy="307777"/>
+          </a:xfrm>
+          <a:prstGeom prst="rect">
+            <a:avLst/>
+          </a:prstGeom>
+          <a:noFill/>
+        </p:spPr>
+        <p:txBody>
+          <a:bodyPr wrap="none" rtlCol="0">
+            <a:spAutoFit/>
+          </a:bodyPr>
+          <a:lstStyle/>
+          <a:p>
+            <a:r>
+              <a:rPr lang="en-GB" sz="1400" b="0" i="0" u="none" strike="noStrike" dirty="0">
+                <a:solidFill>
+                  <a:srgbClr val="000000"/>
+                </a:solidFill>
+                <a:effectLst/>
+                <a:latin typeface="Calibri" panose="020F0502020204030204" pitchFamily="34" charset="0"/>
+                <a:cs typeface="Calibri" panose="020F0502020204030204" pitchFamily="34" charset="0"/>
+              </a:rPr>
+              <a:t>AIG62747.1</a:t>
+            </a:r>
+            <a:endParaRPr lang="en-DK" sz="1400" dirty="0">
+              <a:latin typeface="Calibri" panose="020F0502020204030204" pitchFamily="34" charset="0"/>
+              <a:cs typeface="Calibri" panose="020F0502020204030204" pitchFamily="34" charset="0"/>
+            </a:endParaRPr>
+          </a:p>
+        </p:txBody>
+      </p:sp>
+      <p:sp>
+        <p:nvSpPr>
+          <p:cNvPr id="31" name="Rectangle 30">
+            <a:extLst>
+              <a:ext uri="{FF2B5EF4-FFF2-40B4-BE49-F238E27FC236}">
+                <a16:creationId xmlns:a16="http://schemas.microsoft.com/office/drawing/2014/main" id="{1E00AA01-B117-B03E-12E0-7C9990EB1895}"/>
+              </a:ext>
+            </a:extLst>
+          </p:cNvPr>
+          <p:cNvSpPr/>
+          <p:nvPr/>
+        </p:nvSpPr>
+        <p:spPr>
+          <a:xfrm>
+            <a:off x="1467560" y="-1197135"/>
+            <a:ext cx="8075708" cy="3444406"/>
+          </a:xfrm>
+          <a:prstGeom prst="rect">
+            <a:avLst/>
+          </a:prstGeom>
+          <a:noFill/>
+          <a:ln w="28575"/>
+        </p:spPr>
+        <p:style>
+          <a:lnRef idx="2">
+            <a:schemeClr val="accent1">
+              <a:shade val="15000"/>
+            </a:schemeClr>
+          </a:lnRef>
+          <a:fillRef idx="1">
+            <a:schemeClr val="accent1"/>
+          </a:fillRef>
+          <a:effectRef idx="0">
+            <a:schemeClr val="accent1"/>
+          </a:effectRef>
+          <a:fontRef idx="minor">
+            <a:schemeClr val="lt1"/>
+          </a:fontRef>
+        </p:style>
+        <p:txBody>
+          <a:bodyPr rtlCol="0" anchor="ctr"/>
+          <a:lstStyle/>
+          <a:p>
+            <a:pPr algn="ctr"/>
+            <a:endParaRPr lang="en-DK"/>
+          </a:p>
+        </p:txBody>
+      </p:sp>
+      <p:sp>
+        <p:nvSpPr>
+          <p:cNvPr id="32" name="TextBox 31">
+            <a:extLst>
+              <a:ext uri="{FF2B5EF4-FFF2-40B4-BE49-F238E27FC236}">
+                <a16:creationId xmlns:a16="http://schemas.microsoft.com/office/drawing/2014/main" id="{FF0F75CE-9367-176D-9C54-3124A1E13C5F}"/>
+              </a:ext>
+            </a:extLst>
+          </p:cNvPr>
+          <p:cNvSpPr txBox="1"/>
+          <p:nvPr/>
+        </p:nvSpPr>
+        <p:spPr>
+          <a:xfrm>
+            <a:off x="690496" y="338086"/>
+            <a:ext cx="747256" cy="369332"/>
+          </a:xfrm>
+          <a:prstGeom prst="rect">
+            <a:avLst/>
+          </a:prstGeom>
+          <a:noFill/>
+        </p:spPr>
+        <p:txBody>
+          <a:bodyPr wrap="none" rtlCol="0">
+            <a:spAutoFit/>
+          </a:bodyPr>
+          <a:lstStyle/>
+          <a:p>
+            <a:r>
+              <a:rPr lang="en-DK" dirty="0"/>
+              <a:t>GTxx7</a:t>
+            </a:r>
+          </a:p>
+        </p:txBody>
+      </p:sp>
+      <p:sp>
+        <p:nvSpPr>
+          <p:cNvPr id="33" name="Rectangle 32">
+            <a:extLst>
+              <a:ext uri="{FF2B5EF4-FFF2-40B4-BE49-F238E27FC236}">
+                <a16:creationId xmlns:a16="http://schemas.microsoft.com/office/drawing/2014/main" id="{4E16963D-ACF9-816B-0EEC-D054E83E9112}"/>
+              </a:ext>
+            </a:extLst>
+          </p:cNvPr>
+          <p:cNvSpPr/>
+          <p:nvPr/>
+        </p:nvSpPr>
+        <p:spPr>
+          <a:xfrm>
+            <a:off x="1467559" y="2434055"/>
+            <a:ext cx="8075707" cy="4779546"/>
+          </a:xfrm>
+          <a:prstGeom prst="rect">
+            <a:avLst/>
+          </a:prstGeom>
+          <a:noFill/>
+          <a:ln w="28575"/>
+        </p:spPr>
+        <p:style>
+          <a:lnRef idx="2">
+            <a:schemeClr val="accent1">
+              <a:shade val="15000"/>
+            </a:schemeClr>
+          </a:lnRef>
+          <a:fillRef idx="1">
+            <a:schemeClr val="accent1"/>
+          </a:fillRef>
+          <a:effectRef idx="0">
+            <a:schemeClr val="accent1"/>
+          </a:effectRef>
+          <a:fontRef idx="minor">
+            <a:schemeClr val="lt1"/>
+          </a:fontRef>
+        </p:style>
+        <p:txBody>
+          <a:bodyPr rtlCol="0" anchor="ctr"/>
+          <a:lstStyle/>
+          <a:p>
+            <a:pPr algn="ctr"/>
+            <a:endParaRPr lang="en-DK"/>
+          </a:p>
+        </p:txBody>
+      </p:sp>
+      <p:sp>
+        <p:nvSpPr>
+          <p:cNvPr id="38" name="TextBox 37">
+            <a:extLst>
+              <a:ext uri="{FF2B5EF4-FFF2-40B4-BE49-F238E27FC236}">
+                <a16:creationId xmlns:a16="http://schemas.microsoft.com/office/drawing/2014/main" id="{9C6ADA1C-7F0A-1750-7CE2-6E0AFBDBF9A0}"/>
+              </a:ext>
+            </a:extLst>
+          </p:cNvPr>
+          <p:cNvSpPr txBox="1"/>
+          <p:nvPr/>
+        </p:nvSpPr>
+        <p:spPr>
+          <a:xfrm>
+            <a:off x="1739618" y="2902757"/>
+            <a:ext cx="1340432" cy="523220"/>
+          </a:xfrm>
+          <a:prstGeom prst="rect">
+            <a:avLst/>
+          </a:prstGeom>
+          <a:noFill/>
+        </p:spPr>
+        <p:txBody>
+          <a:bodyPr wrap="none" rtlCol="0">
+            <a:spAutoFit/>
+          </a:bodyPr>
+          <a:lstStyle/>
+          <a:p>
+            <a:pPr algn="ctr"/>
+            <a:r>
+              <a:rPr lang="en-DK" sz="1400" i="1" dirty="0"/>
+              <a:t>Pseudomonas </a:t>
+            </a:r>
+          </a:p>
+          <a:p>
+            <a:pPr algn="ctr"/>
+            <a:r>
+              <a:rPr lang="en-DK" sz="1400" i="1" dirty="0"/>
+              <a:t>aeruginosa </a:t>
+            </a:r>
+            <a:r>
+              <a:rPr lang="en-DK" sz="1400" dirty="0"/>
+              <a:t>O16</a:t>
+            </a:r>
+          </a:p>
+        </p:txBody>
+      </p:sp>
+      <p:sp>
+        <p:nvSpPr>
+          <p:cNvPr id="39" name="TextBox 38">
+            <a:extLst>
+              <a:ext uri="{FF2B5EF4-FFF2-40B4-BE49-F238E27FC236}">
+                <a16:creationId xmlns:a16="http://schemas.microsoft.com/office/drawing/2014/main" id="{8F61833A-92E6-4198-7C60-87E62A988A95}"/>
+              </a:ext>
+            </a:extLst>
+          </p:cNvPr>
+          <p:cNvSpPr txBox="1"/>
+          <p:nvPr/>
+        </p:nvSpPr>
+        <p:spPr>
+          <a:xfrm>
+            <a:off x="1467558" y="4518910"/>
+            <a:ext cx="1884555" cy="523220"/>
+          </a:xfrm>
+          <a:prstGeom prst="rect">
+            <a:avLst/>
+          </a:prstGeom>
+          <a:noFill/>
+        </p:spPr>
+        <p:txBody>
+          <a:bodyPr wrap="none" rtlCol="0">
+            <a:spAutoFit/>
+          </a:bodyPr>
+          <a:lstStyle/>
+          <a:p>
+            <a:pPr algn="ctr"/>
+            <a:r>
+              <a:rPr lang="en-DK" sz="1400" i="1" dirty="0"/>
+              <a:t>Yersinia </a:t>
+            </a:r>
+          </a:p>
+          <a:p>
+            <a:pPr algn="ctr"/>
+            <a:r>
+              <a:rPr lang="en-DK" sz="1400" i="1" dirty="0"/>
+              <a:t>pseudotuberculosis </a:t>
+            </a:r>
+            <a:r>
+              <a:rPr lang="en-DK" sz="1400" dirty="0"/>
+              <a:t>O:9</a:t>
+            </a:r>
+          </a:p>
+        </p:txBody>
+      </p:sp>
+      <p:sp>
+        <p:nvSpPr>
+          <p:cNvPr id="40" name="TextBox 39">
+            <a:extLst>
+              <a:ext uri="{FF2B5EF4-FFF2-40B4-BE49-F238E27FC236}">
+                <a16:creationId xmlns:a16="http://schemas.microsoft.com/office/drawing/2014/main" id="{7204105E-5E69-993F-E38E-CC57710E04AD}"/>
+              </a:ext>
+            </a:extLst>
+          </p:cNvPr>
+          <p:cNvSpPr txBox="1"/>
+          <p:nvPr/>
+        </p:nvSpPr>
+        <p:spPr>
+          <a:xfrm>
+            <a:off x="1987507" y="6241112"/>
+            <a:ext cx="1042273" cy="523220"/>
+          </a:xfrm>
+          <a:prstGeom prst="rect">
+            <a:avLst/>
+          </a:prstGeom>
+          <a:noFill/>
+        </p:spPr>
+        <p:txBody>
+          <a:bodyPr wrap="none" rtlCol="0">
+            <a:spAutoFit/>
+          </a:bodyPr>
+          <a:lstStyle/>
+          <a:p>
+            <a:pPr algn="ctr"/>
+            <a:r>
+              <a:rPr lang="en-DK" sz="1400" i="1" dirty="0"/>
+              <a:t>Escherichia </a:t>
+            </a:r>
+          </a:p>
+          <a:p>
+            <a:pPr algn="ctr"/>
+            <a:r>
+              <a:rPr lang="en-DK" sz="1400" i="1" dirty="0"/>
+              <a:t>coli </a:t>
+            </a:r>
+            <a:r>
+              <a:rPr lang="en-DK" sz="1400" dirty="0"/>
+              <a:t>O30</a:t>
+            </a:r>
+          </a:p>
+        </p:txBody>
+      </p:sp>
+      <p:sp>
+        <p:nvSpPr>
+          <p:cNvPr id="41" name="TextBox 40">
+            <a:extLst>
+              <a:ext uri="{FF2B5EF4-FFF2-40B4-BE49-F238E27FC236}">
+                <a16:creationId xmlns:a16="http://schemas.microsoft.com/office/drawing/2014/main" id="{35CCA1B2-44F1-1591-0DCF-93CC211BADDF}"/>
+              </a:ext>
+            </a:extLst>
+          </p:cNvPr>
+          <p:cNvSpPr txBox="1"/>
+          <p:nvPr/>
+        </p:nvSpPr>
+        <p:spPr>
+          <a:xfrm>
+            <a:off x="3819794" y="3036777"/>
+            <a:ext cx="1140056" cy="307777"/>
+          </a:xfrm>
+          <a:prstGeom prst="rect">
+            <a:avLst/>
+          </a:prstGeom>
+          <a:noFill/>
+        </p:spPr>
+        <p:txBody>
+          <a:bodyPr wrap="none" rtlCol="0">
+            <a:spAutoFit/>
+          </a:bodyPr>
+          <a:lstStyle/>
+          <a:p>
+            <a:r>
+              <a:rPr lang="en-GB" sz="1400" b="0" i="0" u="none" strike="noStrike" dirty="0">
+                <a:solidFill>
+                  <a:srgbClr val="000000"/>
+                </a:solidFill>
+                <a:effectLst/>
+                <a:latin typeface="Calibri" panose="020F0502020204030204" pitchFamily="34" charset="0"/>
+                <a:cs typeface="Calibri" panose="020F0502020204030204" pitchFamily="34" charset="0"/>
+              </a:rPr>
+              <a:t>AAM27662.1</a:t>
+            </a:r>
+            <a:endParaRPr lang="en-DK" sz="1400" dirty="0">
+              <a:latin typeface="Calibri" panose="020F0502020204030204" pitchFamily="34" charset="0"/>
+              <a:cs typeface="Calibri" panose="020F0502020204030204" pitchFamily="34" charset="0"/>
+            </a:endParaRPr>
+          </a:p>
+        </p:txBody>
+      </p:sp>
+      <p:sp>
+        <p:nvSpPr>
+          <p:cNvPr id="42" name="TextBox 41">
+            <a:extLst>
+              <a:ext uri="{FF2B5EF4-FFF2-40B4-BE49-F238E27FC236}">
+                <a16:creationId xmlns:a16="http://schemas.microsoft.com/office/drawing/2014/main" id="{10DCFE7E-2472-F440-F530-2D33C785EBF0}"/>
+              </a:ext>
+            </a:extLst>
+          </p:cNvPr>
+          <p:cNvSpPr txBox="1"/>
+          <p:nvPr/>
+        </p:nvSpPr>
+        <p:spPr>
+          <a:xfrm>
+            <a:off x="3838929" y="4605837"/>
+            <a:ext cx="1066318" cy="307777"/>
+          </a:xfrm>
+          <a:prstGeom prst="rect">
+            <a:avLst/>
+          </a:prstGeom>
+          <a:noFill/>
+        </p:spPr>
+        <p:txBody>
+          <a:bodyPr wrap="none" rtlCol="0">
+            <a:spAutoFit/>
+          </a:bodyPr>
+          <a:lstStyle/>
+          <a:p>
+            <a:r>
+              <a:rPr lang="en-GB" sz="1400" b="0" i="0" u="none" strike="noStrike" dirty="0">
+                <a:solidFill>
+                  <a:srgbClr val="000000"/>
+                </a:solidFill>
+                <a:effectLst/>
+                <a:latin typeface="Calibri" panose="020F0502020204030204" pitchFamily="34" charset="0"/>
+                <a:cs typeface="Calibri" panose="020F0502020204030204" pitchFamily="34" charset="0"/>
+              </a:rPr>
+              <a:t>CDF66396.1</a:t>
+            </a:r>
+            <a:endParaRPr lang="en-DK" sz="1400" dirty="0">
+              <a:latin typeface="Calibri" panose="020F0502020204030204" pitchFamily="34" charset="0"/>
+              <a:cs typeface="Calibri" panose="020F0502020204030204" pitchFamily="34" charset="0"/>
+            </a:endParaRPr>
+          </a:p>
+        </p:txBody>
+      </p:sp>
+      <p:sp>
+        <p:nvSpPr>
+          <p:cNvPr id="47" name="TextBox 46">
+            <a:extLst>
+              <a:ext uri="{FF2B5EF4-FFF2-40B4-BE49-F238E27FC236}">
+                <a16:creationId xmlns:a16="http://schemas.microsoft.com/office/drawing/2014/main" id="{3512D8A4-934E-8675-380A-F2E0DB630A67}"/>
+              </a:ext>
+            </a:extLst>
+          </p:cNvPr>
+          <p:cNvSpPr txBox="1"/>
+          <p:nvPr/>
+        </p:nvSpPr>
+        <p:spPr>
+          <a:xfrm>
+            <a:off x="3819794" y="6315461"/>
+            <a:ext cx="1096262" cy="307777"/>
+          </a:xfrm>
+          <a:prstGeom prst="rect">
+            <a:avLst/>
+          </a:prstGeom>
+          <a:noFill/>
+        </p:spPr>
+        <p:txBody>
+          <a:bodyPr wrap="none" rtlCol="0">
+            <a:spAutoFit/>
+          </a:bodyPr>
+          <a:lstStyle/>
+          <a:p>
+            <a:r>
+              <a:rPr lang="en-GB" sz="1400" b="0" i="0" u="none" strike="noStrike" dirty="0">
+                <a:solidFill>
+                  <a:srgbClr val="000000"/>
+                </a:solidFill>
+                <a:effectLst/>
+                <a:latin typeface="Calibri" panose="020F0502020204030204" pitchFamily="34" charset="0"/>
+                <a:cs typeface="Calibri" panose="020F0502020204030204" pitchFamily="34" charset="0"/>
+              </a:rPr>
+              <a:t>BAQ00780.1</a:t>
+            </a:r>
+            <a:endParaRPr lang="en-DK" sz="1400" dirty="0">
+              <a:latin typeface="Calibri" panose="020F0502020204030204" pitchFamily="34" charset="0"/>
+              <a:cs typeface="Calibri" panose="020F0502020204030204" pitchFamily="34" charset="0"/>
+            </a:endParaRPr>
+          </a:p>
+        </p:txBody>
+      </p:sp>
+      <p:sp>
+        <p:nvSpPr>
+          <p:cNvPr id="53" name="TextBox 52">
+            <a:extLst>
+              <a:ext uri="{FF2B5EF4-FFF2-40B4-BE49-F238E27FC236}">
+                <a16:creationId xmlns:a16="http://schemas.microsoft.com/office/drawing/2014/main" id="{90F45ABA-DB7A-4763-5B8D-A58F015A5E6D}"/>
+              </a:ext>
+            </a:extLst>
+          </p:cNvPr>
+          <p:cNvSpPr txBox="1"/>
+          <p:nvPr/>
+        </p:nvSpPr>
+        <p:spPr>
+          <a:xfrm>
+            <a:off x="685563" y="4582612"/>
+            <a:ext cx="764889" cy="369332"/>
+          </a:xfrm>
+          <a:prstGeom prst="rect">
+            <a:avLst/>
+          </a:prstGeom>
+          <a:noFill/>
+        </p:spPr>
+        <p:txBody>
+          <a:bodyPr wrap="none" rtlCol="0">
+            <a:spAutoFit/>
+          </a:bodyPr>
+          <a:lstStyle/>
+          <a:p>
+            <a:r>
+              <a:rPr lang="en-DK" dirty="0"/>
+              <a:t>GTx15</a:t>
+            </a:r>
+          </a:p>
+        </p:txBody>
+      </p:sp>
+      <p:pic>
+        <p:nvPicPr>
+          <p:cNvPr id="18" name="Picture 17">
+            <a:extLst>
+              <a:ext uri="{FF2B5EF4-FFF2-40B4-BE49-F238E27FC236}">
+                <a16:creationId xmlns:a16="http://schemas.microsoft.com/office/drawing/2014/main" id="{47BCCE0E-2432-8454-8A12-264C28753D3E}"/>
+              </a:ext>
+            </a:extLst>
+          </p:cNvPr>
+          <p:cNvPicPr>
+            <a:picLocks noChangeAspect="1"/>
+          </p:cNvPicPr>
+          <p:nvPr/>
+        </p:nvPicPr>
+        <p:blipFill>
+          <a:blip r:embed="rId6"/>
+          <a:stretch>
+            <a:fillRect/>
+          </a:stretch>
+        </p:blipFill>
+        <p:spPr>
+          <a:xfrm>
+            <a:off x="6371385" y="2612308"/>
+            <a:ext cx="2541026" cy="933438"/>
+          </a:xfrm>
+          <a:prstGeom prst="rect">
+            <a:avLst/>
+          </a:prstGeom>
+        </p:spPr>
+      </p:pic>
+      <p:sp>
+        <p:nvSpPr>
+          <p:cNvPr id="2" name="TextBox 1">
+            <a:extLst>
+              <a:ext uri="{FF2B5EF4-FFF2-40B4-BE49-F238E27FC236}">
+                <a16:creationId xmlns:a16="http://schemas.microsoft.com/office/drawing/2014/main" id="{A66AD751-64CA-8937-2A05-8A6C1816B439}"/>
+              </a:ext>
+            </a:extLst>
+          </p:cNvPr>
+          <p:cNvSpPr txBox="1"/>
+          <p:nvPr/>
+        </p:nvSpPr>
+        <p:spPr>
+          <a:xfrm>
+            <a:off x="5804400" y="231379"/>
+            <a:ext cx="3640099" cy="307777"/>
+          </a:xfrm>
+          <a:prstGeom prst="rect">
+            <a:avLst/>
+          </a:prstGeom>
+          <a:noFill/>
+        </p:spPr>
+        <p:txBody>
+          <a:bodyPr wrap="none" rtlCol="0">
+            <a:spAutoFit/>
+          </a:bodyPr>
+          <a:lstStyle/>
+          <a:p>
+            <a:r>
+              <a:rPr lang="en-GB" sz="1400" b="0" i="0" u="none" strike="noStrike" dirty="0">
+                <a:solidFill>
+                  <a:srgbClr val="1D1C1D"/>
+                </a:solidFill>
+                <a:effectLst/>
+                <a:latin typeface="Calibri" panose="020F0502020204030204" pitchFamily="34" charset="0"/>
+                <a:cs typeface="Calibri" panose="020F0502020204030204" pitchFamily="34" charset="0"/>
+              </a:rPr>
+              <a:t>4D-p-1D, 4U-p-1D, 2N-l-5N, P, 6N-f-1U, 3U-p-1U</a:t>
+            </a:r>
+            <a:endParaRPr lang="en-DK" sz="1400" dirty="0">
+              <a:latin typeface="Calibri" panose="020F0502020204030204" pitchFamily="34" charset="0"/>
+              <a:cs typeface="Calibri" panose="020F0502020204030204" pitchFamily="34" charset="0"/>
+            </a:endParaRPr>
+          </a:p>
+        </p:txBody>
+      </p:sp>
+      <p:sp>
+        <p:nvSpPr>
+          <p:cNvPr id="7" name="TextBox 6">
+            <a:extLst>
+              <a:ext uri="{FF2B5EF4-FFF2-40B4-BE49-F238E27FC236}">
+                <a16:creationId xmlns:a16="http://schemas.microsoft.com/office/drawing/2014/main" id="{4BE3A133-C12C-D055-ED7F-82C0585A4749}"/>
+              </a:ext>
+            </a:extLst>
+          </p:cNvPr>
+          <p:cNvSpPr txBox="1"/>
+          <p:nvPr/>
+        </p:nvSpPr>
+        <p:spPr>
+          <a:xfrm>
+            <a:off x="5854691" y="1351919"/>
+            <a:ext cx="3522887" cy="307777"/>
+          </a:xfrm>
+          <a:prstGeom prst="rect">
+            <a:avLst/>
+          </a:prstGeom>
+          <a:noFill/>
+        </p:spPr>
+        <p:txBody>
+          <a:bodyPr wrap="none" rtlCol="0">
+            <a:spAutoFit/>
+          </a:bodyPr>
+          <a:lstStyle/>
+          <a:p>
+            <a:r>
+              <a:rPr lang="en-GB" sz="1400" b="0" i="0" u="none" strike="noStrike" dirty="0">
+                <a:solidFill>
+                  <a:srgbClr val="1D1C1D"/>
+                </a:solidFill>
+                <a:effectLst/>
+                <a:latin typeface="Calibri" panose="020F0502020204030204" pitchFamily="34" charset="0"/>
+                <a:cs typeface="Calibri" panose="020F0502020204030204" pitchFamily="34" charset="0"/>
+              </a:rPr>
+              <a:t>4D-p-1D, 4U-p-1D, 2D-f-1D, 4U-p-1U, 3U-p-1U</a:t>
+            </a:r>
+            <a:endParaRPr lang="en-DK" sz="1400" dirty="0">
+              <a:latin typeface="Calibri" panose="020F0502020204030204" pitchFamily="34" charset="0"/>
+              <a:cs typeface="Calibri" panose="020F0502020204030204" pitchFamily="34" charset="0"/>
+            </a:endParaRPr>
+          </a:p>
+        </p:txBody>
+      </p:sp>
+      <p:sp>
+        <p:nvSpPr>
+          <p:cNvPr id="14" name="TextBox 13">
+            <a:extLst>
+              <a:ext uri="{FF2B5EF4-FFF2-40B4-BE49-F238E27FC236}">
+                <a16:creationId xmlns:a16="http://schemas.microsoft.com/office/drawing/2014/main" id="{C2DF7B92-7948-707C-4F76-4436ACDFE191}"/>
+              </a:ext>
+            </a:extLst>
+          </p:cNvPr>
+          <p:cNvSpPr txBox="1"/>
+          <p:nvPr/>
+        </p:nvSpPr>
+        <p:spPr>
+          <a:xfrm>
+            <a:off x="6562833" y="3501891"/>
+            <a:ext cx="2106602" cy="307777"/>
+          </a:xfrm>
+          <a:prstGeom prst="rect">
+            <a:avLst/>
+          </a:prstGeom>
+          <a:noFill/>
+        </p:spPr>
+        <p:txBody>
+          <a:bodyPr wrap="none" rtlCol="0">
+            <a:spAutoFit/>
+          </a:bodyPr>
+          <a:lstStyle/>
+          <a:p>
+            <a:r>
+              <a:rPr lang="en-GB" sz="1400" b="0" i="0" u="none" strike="noStrike" dirty="0">
+                <a:solidFill>
+                  <a:srgbClr val="1D1C1D"/>
+                </a:solidFill>
+                <a:effectLst/>
+                <a:latin typeface="Calibri" panose="020F0502020204030204" pitchFamily="34" charset="0"/>
+                <a:cs typeface="Calibri" panose="020F0502020204030204" pitchFamily="34" charset="0"/>
+              </a:rPr>
+              <a:t>4D-p-1U,4D-p-1U,3U-p-1D</a:t>
+            </a:r>
+            <a:endParaRPr lang="en-DK" sz="1400" dirty="0">
+              <a:latin typeface="Calibri" panose="020F0502020204030204" pitchFamily="34" charset="0"/>
+              <a:cs typeface="Calibri" panose="020F0502020204030204" pitchFamily="34" charset="0"/>
+            </a:endParaRPr>
+          </a:p>
+        </p:txBody>
+      </p:sp>
+      <p:sp>
+        <p:nvSpPr>
+          <p:cNvPr id="15" name="TextBox 14">
+            <a:extLst>
+              <a:ext uri="{FF2B5EF4-FFF2-40B4-BE49-F238E27FC236}">
+                <a16:creationId xmlns:a16="http://schemas.microsoft.com/office/drawing/2014/main" id="{5E9876D6-7AE3-BE1A-E787-A2FF6F0ED207}"/>
+              </a:ext>
+            </a:extLst>
+          </p:cNvPr>
+          <p:cNvSpPr txBox="1"/>
+          <p:nvPr/>
+        </p:nvSpPr>
+        <p:spPr>
+          <a:xfrm>
+            <a:off x="6562687" y="5365575"/>
+            <a:ext cx="2106602" cy="307777"/>
+          </a:xfrm>
+          <a:prstGeom prst="rect">
+            <a:avLst/>
+          </a:prstGeom>
+          <a:noFill/>
+        </p:spPr>
+        <p:txBody>
+          <a:bodyPr wrap="none" rtlCol="0">
+            <a:spAutoFit/>
+          </a:bodyPr>
+          <a:lstStyle/>
+          <a:p>
+            <a:r>
+              <a:rPr lang="en-GB" sz="1400" b="0" i="0" u="none" strike="noStrike" dirty="0">
+                <a:solidFill>
+                  <a:srgbClr val="1D1C1D"/>
+                </a:solidFill>
+                <a:effectLst/>
+                <a:latin typeface="Calibri" panose="020F0502020204030204" pitchFamily="34" charset="0"/>
+                <a:cs typeface="Calibri" panose="020F0502020204030204" pitchFamily="34" charset="0"/>
+              </a:rPr>
+              <a:t>4D-p-1U,4D-p-1U,3U-p-1D</a:t>
+            </a:r>
+            <a:endParaRPr lang="en-DK" sz="1400" dirty="0">
+              <a:latin typeface="Calibri" panose="020F0502020204030204" pitchFamily="34" charset="0"/>
+              <a:cs typeface="Calibri" panose="020F0502020204030204" pitchFamily="34" charset="0"/>
+            </a:endParaRPr>
+          </a:p>
+        </p:txBody>
+      </p:sp>
+      <p:sp>
+        <p:nvSpPr>
+          <p:cNvPr id="17" name="TextBox 16">
+            <a:extLst>
+              <a:ext uri="{FF2B5EF4-FFF2-40B4-BE49-F238E27FC236}">
+                <a16:creationId xmlns:a16="http://schemas.microsoft.com/office/drawing/2014/main" id="{955CDAFC-1721-784D-B212-8F55BCFB6D4E}"/>
+              </a:ext>
+            </a:extLst>
+          </p:cNvPr>
+          <p:cNvSpPr txBox="1"/>
+          <p:nvPr/>
+        </p:nvSpPr>
+        <p:spPr>
+          <a:xfrm>
+            <a:off x="6621812" y="6845586"/>
+            <a:ext cx="2106602" cy="307777"/>
+          </a:xfrm>
+          <a:prstGeom prst="rect">
+            <a:avLst/>
+          </a:prstGeom>
+          <a:noFill/>
+        </p:spPr>
+        <p:txBody>
+          <a:bodyPr wrap="none" rtlCol="0">
+            <a:spAutoFit/>
+          </a:bodyPr>
+          <a:lstStyle/>
+          <a:p>
+            <a:r>
+              <a:rPr lang="en-GB" sz="1400" b="0" i="0" u="none" strike="noStrike" dirty="0">
+                <a:solidFill>
+                  <a:srgbClr val="1D1C1D"/>
+                </a:solidFill>
+                <a:effectLst/>
+                <a:latin typeface="Calibri" panose="020F0502020204030204" pitchFamily="34" charset="0"/>
+                <a:cs typeface="Calibri" panose="020F0502020204030204" pitchFamily="34" charset="0"/>
+              </a:rPr>
+              <a:t>4D-p-1U,4D-p-1U,3U-p-1D</a:t>
+            </a:r>
+            <a:endParaRPr lang="en-DK" sz="1400" dirty="0">
+              <a:latin typeface="Calibri" panose="020F0502020204030204" pitchFamily="34" charset="0"/>
+              <a:cs typeface="Calibri" panose="020F0502020204030204" pitchFamily="34" charset="0"/>
+            </a:endParaRPr>
+          </a:p>
+        </p:txBody>
+      </p:sp>
+      <p:cxnSp>
+        <p:nvCxnSpPr>
+          <p:cNvPr id="20" name="Straight Connector 19">
+            <a:extLst>
+              <a:ext uri="{FF2B5EF4-FFF2-40B4-BE49-F238E27FC236}">
+                <a16:creationId xmlns:a16="http://schemas.microsoft.com/office/drawing/2014/main" id="{AEFCF738-E7CD-0977-BA89-0C52019AE56D}"/>
+              </a:ext>
+            </a:extLst>
+          </p:cNvPr>
+          <p:cNvCxnSpPr>
+            <a:cxnSpLocks/>
+            <a:stCxn id="31" idx="1"/>
+            <a:endCxn id="31" idx="3"/>
+          </p:cNvCxnSpPr>
+          <p:nvPr/>
+        </p:nvCxnSpPr>
+        <p:spPr>
+          <a:xfrm>
+            <a:off x="1467560" y="525068"/>
+            <a:ext cx="8075708" cy="0"/>
+          </a:xfrm>
+          <a:prstGeom prst="line">
+            <a:avLst/>
+          </a:prstGeom>
+          <a:ln w="19050">
+            <a:solidFill>
+              <a:schemeClr val="tx1"/>
+            </a:solidFill>
+            <a:prstDash val="sysDot"/>
+          </a:ln>
+        </p:spPr>
+        <p:style>
+          <a:lnRef idx="1">
+            <a:schemeClr val="accent1"/>
+          </a:lnRef>
+          <a:fillRef idx="0">
+            <a:schemeClr val="accent1"/>
+          </a:fillRef>
+          <a:effectRef idx="0">
+            <a:schemeClr val="accent1"/>
+          </a:effectRef>
+          <a:fontRef idx="minor">
+            <a:schemeClr val="tx1"/>
+          </a:fontRef>
+        </p:style>
+      </p:cxnSp>
+      <p:cxnSp>
+        <p:nvCxnSpPr>
+          <p:cNvPr id="26" name="Straight Connector 25">
+            <a:extLst>
+              <a:ext uri="{FF2B5EF4-FFF2-40B4-BE49-F238E27FC236}">
+                <a16:creationId xmlns:a16="http://schemas.microsoft.com/office/drawing/2014/main" id="{4C8AD1B3-AE88-95DF-DF96-63C68FEEDBE4}"/>
+              </a:ext>
+            </a:extLst>
+          </p:cNvPr>
+          <p:cNvCxnSpPr>
+            <a:cxnSpLocks/>
+          </p:cNvCxnSpPr>
+          <p:nvPr/>
+        </p:nvCxnSpPr>
+        <p:spPr>
+          <a:xfrm>
+            <a:off x="1467559" y="3903268"/>
+            <a:ext cx="8075708" cy="0"/>
+          </a:xfrm>
+          <a:prstGeom prst="line">
+            <a:avLst/>
+          </a:prstGeom>
+          <a:ln w="19050">
+            <a:solidFill>
+              <a:schemeClr val="tx1"/>
+            </a:solidFill>
+            <a:prstDash val="sysDot"/>
+          </a:ln>
+        </p:spPr>
+        <p:style>
+          <a:lnRef idx="1">
+            <a:schemeClr val="accent1"/>
+          </a:lnRef>
+          <a:fillRef idx="0">
+            <a:schemeClr val="accent1"/>
+          </a:fillRef>
+          <a:effectRef idx="0">
+            <a:schemeClr val="accent1"/>
+          </a:effectRef>
+          <a:fontRef idx="minor">
+            <a:schemeClr val="tx1"/>
+          </a:fontRef>
+        </p:style>
+      </p:cxnSp>
+      <p:cxnSp>
+        <p:nvCxnSpPr>
+          <p:cNvPr id="27" name="Straight Connector 26">
+            <a:extLst>
+              <a:ext uri="{FF2B5EF4-FFF2-40B4-BE49-F238E27FC236}">
+                <a16:creationId xmlns:a16="http://schemas.microsoft.com/office/drawing/2014/main" id="{3B375D2D-C25A-869E-8579-3169B6F6A3B8}"/>
+              </a:ext>
+            </a:extLst>
+          </p:cNvPr>
+          <p:cNvCxnSpPr>
+            <a:cxnSpLocks/>
+          </p:cNvCxnSpPr>
+          <p:nvPr/>
+        </p:nvCxnSpPr>
+        <p:spPr>
+          <a:xfrm>
+            <a:off x="1474810" y="5703120"/>
+            <a:ext cx="8075708" cy="0"/>
+          </a:xfrm>
+          <a:prstGeom prst="line">
+            <a:avLst/>
+          </a:prstGeom>
+          <a:ln w="19050">
+            <a:solidFill>
+              <a:schemeClr val="tx1"/>
+            </a:solidFill>
+            <a:prstDash val="sysDot"/>
+          </a:ln>
+        </p:spPr>
+        <p:style>
+          <a:lnRef idx="1">
+            <a:schemeClr val="accent1"/>
+          </a:lnRef>
+          <a:fillRef idx="0">
+            <a:schemeClr val="accent1"/>
+          </a:fillRef>
+          <a:effectRef idx="0">
+            <a:schemeClr val="accent1"/>
+          </a:effectRef>
+          <a:fontRef idx="minor">
+            <a:schemeClr val="tx1"/>
+          </a:fontRef>
+        </p:style>
+      </p:cxnSp>
+    </p:spTree>
+    <p:extLst>
+      <p:ext uri="{BB962C8B-B14F-4D97-AF65-F5344CB8AC3E}">
+        <p14:creationId xmlns:p14="http://schemas.microsoft.com/office/powerpoint/2010/main" val="3451571589"/>
+      </p:ext>
+    </p:extLst>
+  </p:cSld>
+  <p:clrMapOvr>
+    <a:masterClrMapping/>
+  </p:clrMapOvr>
+</p:sld>
+</file>
+
 <file path=ppt/theme/theme1.xml><?xml version="1.0" encoding="utf-8"?>
 <a:theme xmlns:a="http://schemas.openxmlformats.org/drawingml/2006/main" name="Office Theme">
   <a:themeElements>

--- a/manuscript/figures/sugar-examples/sugar-examples.pptx
+++ b/manuscript/figures/sugar-examples/sugar-examples.pptx
@@ -10,6 +10,7 @@
     <p:sldId id="258" r:id="rId4"/>
     <p:sldId id="259" r:id="rId5"/>
     <p:sldId id="260" r:id="rId6"/>
+    <p:sldId id="261" r:id="rId7"/>
   </p:sldIdLst>
   <p:sldSz cx="12192000" cy="6858000"/>
   <p:notesSz cx="6858000" cy="9144000"/>
@@ -276,7 +277,7 @@
           <a:p>
             <a:fld id="{1FF20C9B-EF41-614C-ADC0-38338A84751B}" type="datetimeFigureOut">
               <a:rPr lang="en-DK" smtClean="0"/>
-              <a:t>05/09/2023</a:t>
+              <a:t>19/01/2024</a:t>
             </a:fld>
             <a:endParaRPr lang="en-DK"/>
           </a:p>
@@ -476,7 +477,7 @@
           <a:p>
             <a:fld id="{1FF20C9B-EF41-614C-ADC0-38338A84751B}" type="datetimeFigureOut">
               <a:rPr lang="en-DK" smtClean="0"/>
-              <a:t>05/09/2023</a:t>
+              <a:t>19/01/2024</a:t>
             </a:fld>
             <a:endParaRPr lang="en-DK"/>
           </a:p>
@@ -686,7 +687,7 @@
           <a:p>
             <a:fld id="{1FF20C9B-EF41-614C-ADC0-38338A84751B}" type="datetimeFigureOut">
               <a:rPr lang="en-DK" smtClean="0"/>
-              <a:t>05/09/2023</a:t>
+              <a:t>19/01/2024</a:t>
             </a:fld>
             <a:endParaRPr lang="en-DK"/>
           </a:p>
@@ -886,7 +887,7 @@
           <a:p>
             <a:fld id="{1FF20C9B-EF41-614C-ADC0-38338A84751B}" type="datetimeFigureOut">
               <a:rPr lang="en-DK" smtClean="0"/>
-              <a:t>05/09/2023</a:t>
+              <a:t>19/01/2024</a:t>
             </a:fld>
             <a:endParaRPr lang="en-DK"/>
           </a:p>
@@ -1162,7 +1163,7 @@
           <a:p>
             <a:fld id="{1FF20C9B-EF41-614C-ADC0-38338A84751B}" type="datetimeFigureOut">
               <a:rPr lang="en-DK" smtClean="0"/>
-              <a:t>05/09/2023</a:t>
+              <a:t>19/01/2024</a:t>
             </a:fld>
             <a:endParaRPr lang="en-DK"/>
           </a:p>
@@ -1430,7 +1431,7 @@
           <a:p>
             <a:fld id="{1FF20C9B-EF41-614C-ADC0-38338A84751B}" type="datetimeFigureOut">
               <a:rPr lang="en-DK" smtClean="0"/>
-              <a:t>05/09/2023</a:t>
+              <a:t>19/01/2024</a:t>
             </a:fld>
             <a:endParaRPr lang="en-DK"/>
           </a:p>
@@ -1845,7 +1846,7 @@
           <a:p>
             <a:fld id="{1FF20C9B-EF41-614C-ADC0-38338A84751B}" type="datetimeFigureOut">
               <a:rPr lang="en-DK" smtClean="0"/>
-              <a:t>05/09/2023</a:t>
+              <a:t>19/01/2024</a:t>
             </a:fld>
             <a:endParaRPr lang="en-DK"/>
           </a:p>
@@ -1987,7 +1988,7 @@
           <a:p>
             <a:fld id="{1FF20C9B-EF41-614C-ADC0-38338A84751B}" type="datetimeFigureOut">
               <a:rPr lang="en-DK" smtClean="0"/>
-              <a:t>05/09/2023</a:t>
+              <a:t>19/01/2024</a:t>
             </a:fld>
             <a:endParaRPr lang="en-DK"/>
           </a:p>
@@ -2100,7 +2101,7 @@
           <a:p>
             <a:fld id="{1FF20C9B-EF41-614C-ADC0-38338A84751B}" type="datetimeFigureOut">
               <a:rPr lang="en-DK" smtClean="0"/>
-              <a:t>05/09/2023</a:t>
+              <a:t>19/01/2024</a:t>
             </a:fld>
             <a:endParaRPr lang="en-DK"/>
           </a:p>
@@ -2413,7 +2414,7 @@
           <a:p>
             <a:fld id="{1FF20C9B-EF41-614C-ADC0-38338A84751B}" type="datetimeFigureOut">
               <a:rPr lang="en-DK" smtClean="0"/>
-              <a:t>05/09/2023</a:t>
+              <a:t>19/01/2024</a:t>
             </a:fld>
             <a:endParaRPr lang="en-DK"/>
           </a:p>
@@ -2702,7 +2703,7 @@
           <a:p>
             <a:fld id="{1FF20C9B-EF41-614C-ADC0-38338A84751B}" type="datetimeFigureOut">
               <a:rPr lang="en-DK" smtClean="0"/>
-              <a:t>05/09/2023</a:t>
+              <a:t>19/01/2024</a:t>
             </a:fld>
             <a:endParaRPr lang="en-DK"/>
           </a:p>
@@ -2945,7 +2946,7 @@
           <a:p>
             <a:fld id="{1FF20C9B-EF41-614C-ADC0-38338A84751B}" type="datetimeFigureOut">
               <a:rPr lang="en-DK" smtClean="0"/>
-              <a:t>05/09/2023</a:t>
+              <a:t>19/01/2024</a:t>
             </a:fld>
             <a:endParaRPr lang="en-DK"/>
           </a:p>
@@ -8423,6 +8424,89 @@
 </p:sld>
 </file>
 
+<file path=ppt/slides/slide6.xml><?xml version="1.0" encoding="utf-8"?>
+<p:sld xmlns:a="http://schemas.openxmlformats.org/drawingml/2006/main" xmlns:r="http://schemas.openxmlformats.org/officeDocument/2006/relationships" xmlns:p="http://schemas.openxmlformats.org/presentationml/2006/main">
+  <p:cSld>
+    <p:spTree>
+      <p:nvGrpSpPr>
+        <p:cNvPr id="1" name=""/>
+        <p:cNvGrpSpPr/>
+        <p:nvPr/>
+      </p:nvGrpSpPr>
+      <p:grpSpPr>
+        <a:xfrm>
+          <a:off x="0" y="0"/>
+          <a:ext cx="0" cy="0"/>
+          <a:chOff x="0" y="0"/>
+          <a:chExt cx="0" cy="0"/>
+        </a:xfrm>
+      </p:grpSpPr>
+      <p:sp>
+        <p:nvSpPr>
+          <p:cNvPr id="2" name="Title 1">
+            <a:extLst>
+              <a:ext uri="{FF2B5EF4-FFF2-40B4-BE49-F238E27FC236}">
+                <a16:creationId xmlns:a16="http://schemas.microsoft.com/office/drawing/2014/main" id="{9D8AC0E4-79B6-35D6-9A44-2DC9E16B2766}"/>
+              </a:ext>
+            </a:extLst>
+          </p:cNvPr>
+          <p:cNvSpPr>
+            <a:spLocks noGrp="1"/>
+          </p:cNvSpPr>
+          <p:nvPr>
+            <p:ph type="title"/>
+          </p:nvPr>
+        </p:nvSpPr>
+        <p:spPr/>
+        <p:txBody>
+          <a:bodyPr/>
+          <a:lstStyle/>
+          <a:p>
+            <a:endParaRPr lang="en-DK"/>
+          </a:p>
+        </p:txBody>
+      </p:sp>
+      <p:pic>
+        <p:nvPicPr>
+          <p:cNvPr id="5" name="Content Placeholder 4">
+            <a:extLst>
+              <a:ext uri="{FF2B5EF4-FFF2-40B4-BE49-F238E27FC236}">
+                <a16:creationId xmlns:a16="http://schemas.microsoft.com/office/drawing/2014/main" id="{028F2B21-04AD-4A7F-0902-279B7B8BD2EB}"/>
+              </a:ext>
+            </a:extLst>
+          </p:cNvPr>
+          <p:cNvPicPr>
+            <a:picLocks noGrp="1" noChangeAspect="1"/>
+          </p:cNvPicPr>
+          <p:nvPr>
+            <p:ph idx="1"/>
+          </p:nvPr>
+        </p:nvPicPr>
+        <p:blipFill rotWithShape="1">
+          <a:blip r:embed="rId2"/>
+          <a:srcRect l="33200" t="11748" r="36073" b="8476"/>
+          <a:stretch/>
+        </p:blipFill>
+        <p:spPr>
+          <a:xfrm>
+            <a:off x="4809067" y="2336800"/>
+            <a:ext cx="2353733" cy="3471334"/>
+          </a:xfrm>
+        </p:spPr>
+      </p:pic>
+    </p:spTree>
+    <p:extLst>
+      <p:ext uri="{BB962C8B-B14F-4D97-AF65-F5344CB8AC3E}">
+        <p14:creationId xmlns:p14="http://schemas.microsoft.com/office/powerpoint/2010/main" val="4033737180"/>
+      </p:ext>
+    </p:extLst>
+  </p:cSld>
+  <p:clrMapOvr>
+    <a:masterClrMapping/>
+  </p:clrMapOvr>
+</p:sld>
+</file>
+
 <file path=ppt/theme/theme1.xml><?xml version="1.0" encoding="utf-8"?>
 <a:theme xmlns:a="http://schemas.openxmlformats.org/drawingml/2006/main" name="Office Theme">
   <a:themeElements>

--- a/manuscript/figures/sugar-examples/sugar-examples.pptx
+++ b/manuscript/figures/sugar-examples/sugar-examples.pptx
@@ -277,7 +277,7 @@
           <a:p>
             <a:fld id="{1FF20C9B-EF41-614C-ADC0-38338A84751B}" type="datetimeFigureOut">
               <a:rPr lang="en-DK" smtClean="0"/>
-              <a:t>19/01/2024</a:t>
+              <a:t>21/01/2024</a:t>
             </a:fld>
             <a:endParaRPr lang="en-DK"/>
           </a:p>
@@ -477,7 +477,7 @@
           <a:p>
             <a:fld id="{1FF20C9B-EF41-614C-ADC0-38338A84751B}" type="datetimeFigureOut">
               <a:rPr lang="en-DK" smtClean="0"/>
-              <a:t>19/01/2024</a:t>
+              <a:t>21/01/2024</a:t>
             </a:fld>
             <a:endParaRPr lang="en-DK"/>
           </a:p>
@@ -687,7 +687,7 @@
           <a:p>
             <a:fld id="{1FF20C9B-EF41-614C-ADC0-38338A84751B}" type="datetimeFigureOut">
               <a:rPr lang="en-DK" smtClean="0"/>
-              <a:t>19/01/2024</a:t>
+              <a:t>21/01/2024</a:t>
             </a:fld>
             <a:endParaRPr lang="en-DK"/>
           </a:p>
@@ -887,7 +887,7 @@
           <a:p>
             <a:fld id="{1FF20C9B-EF41-614C-ADC0-38338A84751B}" type="datetimeFigureOut">
               <a:rPr lang="en-DK" smtClean="0"/>
-              <a:t>19/01/2024</a:t>
+              <a:t>21/01/2024</a:t>
             </a:fld>
             <a:endParaRPr lang="en-DK"/>
           </a:p>
@@ -1163,7 +1163,7 @@
           <a:p>
             <a:fld id="{1FF20C9B-EF41-614C-ADC0-38338A84751B}" type="datetimeFigureOut">
               <a:rPr lang="en-DK" smtClean="0"/>
-              <a:t>19/01/2024</a:t>
+              <a:t>21/01/2024</a:t>
             </a:fld>
             <a:endParaRPr lang="en-DK"/>
           </a:p>
@@ -1431,7 +1431,7 @@
           <a:p>
             <a:fld id="{1FF20C9B-EF41-614C-ADC0-38338A84751B}" type="datetimeFigureOut">
               <a:rPr lang="en-DK" smtClean="0"/>
-              <a:t>19/01/2024</a:t>
+              <a:t>21/01/2024</a:t>
             </a:fld>
             <a:endParaRPr lang="en-DK"/>
           </a:p>
@@ -1846,7 +1846,7 @@
           <a:p>
             <a:fld id="{1FF20C9B-EF41-614C-ADC0-38338A84751B}" type="datetimeFigureOut">
               <a:rPr lang="en-DK" smtClean="0"/>
-              <a:t>19/01/2024</a:t>
+              <a:t>21/01/2024</a:t>
             </a:fld>
             <a:endParaRPr lang="en-DK"/>
           </a:p>
@@ -1988,7 +1988,7 @@
           <a:p>
             <a:fld id="{1FF20C9B-EF41-614C-ADC0-38338A84751B}" type="datetimeFigureOut">
               <a:rPr lang="en-DK" smtClean="0"/>
-              <a:t>19/01/2024</a:t>
+              <a:t>21/01/2024</a:t>
             </a:fld>
             <a:endParaRPr lang="en-DK"/>
           </a:p>
@@ -2101,7 +2101,7 @@
           <a:p>
             <a:fld id="{1FF20C9B-EF41-614C-ADC0-38338A84751B}" type="datetimeFigureOut">
               <a:rPr lang="en-DK" smtClean="0"/>
-              <a:t>19/01/2024</a:t>
+              <a:t>21/01/2024</a:t>
             </a:fld>
             <a:endParaRPr lang="en-DK"/>
           </a:p>
@@ -2414,7 +2414,7 @@
           <a:p>
             <a:fld id="{1FF20C9B-EF41-614C-ADC0-38338A84751B}" type="datetimeFigureOut">
               <a:rPr lang="en-DK" smtClean="0"/>
-              <a:t>19/01/2024</a:t>
+              <a:t>21/01/2024</a:t>
             </a:fld>
             <a:endParaRPr lang="en-DK"/>
           </a:p>
@@ -2703,7 +2703,7 @@
           <a:p>
             <a:fld id="{1FF20C9B-EF41-614C-ADC0-38338A84751B}" type="datetimeFigureOut">
               <a:rPr lang="en-DK" smtClean="0"/>
-              <a:t>19/01/2024</a:t>
+              <a:t>21/01/2024</a:t>
             </a:fld>
             <a:endParaRPr lang="en-DK"/>
           </a:p>
@@ -2946,7 +2946,7 @@
           <a:p>
             <a:fld id="{1FF20C9B-EF41-614C-ADC0-38338A84751B}" type="datetimeFigureOut">
               <a:rPr lang="en-DK" smtClean="0"/>
-              <a:t>19/01/2024</a:t>
+              <a:t>21/01/2024</a:t>
             </a:fld>
             <a:endParaRPr lang="en-DK"/>
           </a:p>
@@ -8489,9 +8489,38 @@
         </p:blipFill>
         <p:spPr>
           <a:xfrm>
-            <a:off x="4809067" y="2336800"/>
+            <a:off x="0" y="2302934"/>
             <a:ext cx="2353733" cy="3471334"/>
           </a:xfrm>
+        </p:spPr>
+      </p:pic>
+      <p:pic>
+        <p:nvPicPr>
+          <p:cNvPr id="4" name="Picture 3">
+            <a:extLst>
+              <a:ext uri="{FF2B5EF4-FFF2-40B4-BE49-F238E27FC236}">
+                <a16:creationId xmlns:a16="http://schemas.microsoft.com/office/drawing/2014/main" id="{0C6D5B45-7E11-D552-3B72-BE6E93E804C5}"/>
+              </a:ext>
+            </a:extLst>
+          </p:cNvPr>
+          <p:cNvPicPr>
+            <a:picLocks noChangeAspect="1"/>
+          </p:cNvPicPr>
+          <p:nvPr/>
+        </p:nvPicPr>
+        <p:blipFill rotWithShape="1">
+          <a:blip r:embed="rId3"/>
+          <a:srcRect l="22784" t="10997" r="38872" b="3069"/>
+          <a:stretch/>
+        </p:blipFill>
+        <p:spPr>
+          <a:xfrm>
+            <a:off x="3539066" y="1845733"/>
+            <a:ext cx="2980267" cy="3793067"/>
+          </a:xfrm>
+          <a:prstGeom prst="rect">
+            <a:avLst/>
+          </a:prstGeom>
         </p:spPr>
       </p:pic>
     </p:spTree>
